--- a/Commun/Membres/Willy/Présentation revu de projet 2.pptx
+++ b/Commun/Membres/Willy/Présentation revu de projet 2.pptx
@@ -5,7 +5,7 @@
     <p:sldMasterId id="2147483696" r:id="rId1"/>
   </p:sldMasterIdLst>
   <p:notesMasterIdLst>
-    <p:notesMasterId r:id="rId19"/>
+    <p:notesMasterId r:id="rId20"/>
   </p:notesMasterIdLst>
   <p:sldIdLst>
     <p:sldId id="262" r:id="rId2"/>
@@ -15,16 +15,17 @@
     <p:sldId id="256" r:id="rId6"/>
     <p:sldId id="257" r:id="rId7"/>
     <p:sldId id="272" r:id="rId8"/>
-    <p:sldId id="263" r:id="rId9"/>
-    <p:sldId id="267" r:id="rId10"/>
-    <p:sldId id="270" r:id="rId11"/>
-    <p:sldId id="273" r:id="rId12"/>
-    <p:sldId id="274" r:id="rId13"/>
-    <p:sldId id="275" r:id="rId14"/>
-    <p:sldId id="268" r:id="rId15"/>
-    <p:sldId id="269" r:id="rId16"/>
-    <p:sldId id="271" r:id="rId17"/>
-    <p:sldId id="266" r:id="rId18"/>
+    <p:sldId id="271" r:id="rId9"/>
+    <p:sldId id="263" r:id="rId10"/>
+    <p:sldId id="267" r:id="rId11"/>
+    <p:sldId id="270" r:id="rId12"/>
+    <p:sldId id="273" r:id="rId13"/>
+    <p:sldId id="274" r:id="rId14"/>
+    <p:sldId id="275" r:id="rId15"/>
+    <p:sldId id="268" r:id="rId16"/>
+    <p:sldId id="269" r:id="rId17"/>
+    <p:sldId id="276" r:id="rId18"/>
+    <p:sldId id="266" r:id="rId19"/>
   </p:sldIdLst>
   <p:sldSz cx="12192000" cy="6858000"/>
   <p:notesSz cx="6858000" cy="9144000"/>
@@ -7415,10 +7416,10 @@
       </p:pic>
       <p:sp>
         <p:nvSpPr>
-          <p:cNvPr id="5" name="ZoneTexte 4">
+          <p:cNvPr id="10" name="ZoneTexte 9">
             <a:extLst>
               <a:ext uri="{FF2B5EF4-FFF2-40B4-BE49-F238E27FC236}">
-                <a16:creationId xmlns:a16="http://schemas.microsoft.com/office/drawing/2014/main" id="{2832452A-D254-4881-850A-2FCADA36001C}"/>
+                <a16:creationId xmlns:a16="http://schemas.microsoft.com/office/drawing/2014/main" id="{3B740E3B-76C8-4124-A92F-718E4300A236}"/>
               </a:ext>
             </a:extLst>
           </p:cNvPr>
@@ -7428,7 +7429,7 @@
         <p:spPr>
           <a:xfrm>
             <a:off x="161925" y="6434138"/>
-            <a:ext cx="1209675" cy="369332"/>
+            <a:ext cx="1414463" cy="369332"/>
           </a:xfrm>
           <a:prstGeom prst="rect">
             <a:avLst/>
@@ -7443,7 +7444,15 @@
           <a:p>
             <a:r>
               <a:rPr lang="fr-FR" dirty="0"/>
-              <a:t>Page 1/13</a:t>
+              <a:t>Page </a:t>
+            </a:r>
+            <a:fld id="{6B39D2C6-0BA6-4343-AE2F-D862A5E2D269}" type="slidenum">
+              <a:rPr lang="fr-FR" smtClean="0"/>
+              <a:t>1</a:t>
+            </a:fld>
+            <a:r>
+              <a:rPr lang="fr-FR" dirty="0"/>
+              <a:t>/X</a:t>
             </a:r>
           </a:p>
         </p:txBody>
@@ -7480,45 +7489,10 @@
       </p:grpSpPr>
       <p:sp>
         <p:nvSpPr>
-          <p:cNvPr id="3" name="ZoneTexte 2">
+          <p:cNvPr id="2" name="Titre 1">
             <a:extLst>
               <a:ext uri="{FF2B5EF4-FFF2-40B4-BE49-F238E27FC236}">
-                <a16:creationId xmlns:a16="http://schemas.microsoft.com/office/drawing/2014/main" id="{F97828BA-0597-4B71-A5A2-E5E343AC8580}"/>
-              </a:ext>
-            </a:extLst>
-          </p:cNvPr>
-          <p:cNvSpPr txBox="1"/>
-          <p:nvPr/>
-        </p:nvSpPr>
-        <p:spPr>
-          <a:xfrm>
-            <a:off x="161925" y="6434138"/>
-            <a:ext cx="1357313" cy="369332"/>
-          </a:xfrm>
-          <a:prstGeom prst="rect">
-            <a:avLst/>
-          </a:prstGeom>
-          <a:noFill/>
-        </p:spPr>
-        <p:txBody>
-          <a:bodyPr wrap="square" rtlCol="0">
-            <a:spAutoFit/>
-          </a:bodyPr>
-          <a:lstStyle/>
-          <a:p>
-            <a:r>
-              <a:rPr lang="fr-FR" dirty="0"/>
-              <a:t>Page 10/13</a:t>
-            </a:r>
-          </a:p>
-        </p:txBody>
-      </p:sp>
-      <p:sp>
-        <p:nvSpPr>
-          <p:cNvPr id="5" name="Titre 1">
-            <a:extLst>
-              <a:ext uri="{FF2B5EF4-FFF2-40B4-BE49-F238E27FC236}">
-                <a16:creationId xmlns:a16="http://schemas.microsoft.com/office/drawing/2014/main" id="{918399C5-85DB-4D16-ACC0-ECE2CC221515}"/>
+                <a16:creationId xmlns:a16="http://schemas.microsoft.com/office/drawing/2014/main" id="{C92BAFFE-F692-4089-8C82-9D869922FCB0}"/>
               </a:ext>
             </a:extLst>
           </p:cNvPr>
@@ -7529,21 +7503,16 @@
             <p:ph type="title"/>
           </p:nvPr>
         </p:nvSpPr>
-        <p:spPr>
-          <a:xfrm>
-            <a:off x="685801" y="609600"/>
-            <a:ext cx="10131425" cy="1456267"/>
-          </a:xfrm>
-        </p:spPr>
+        <p:spPr/>
         <p:txBody>
           <a:bodyPr>
-            <a:normAutofit/>
+            <a:normAutofit fontScale="90000"/>
           </a:bodyPr>
           <a:lstStyle/>
           <a:p>
             <a:r>
               <a:rPr lang="fr-FR" b="1" dirty="0"/>
-              <a:t>Connection à la BDD</a:t>
+              <a:t>Développement de l’automate de gestion d’accès au parking (sur PLC Raspberry) </a:t>
             </a:r>
             <a:r>
               <a:rPr lang="fr-FR" dirty="0"/>
@@ -7556,57 +7525,156 @@
           </a:p>
         </p:txBody>
       </p:sp>
-      <p:pic>
-        <p:nvPicPr>
-          <p:cNvPr id="1026" name="Picture 2">
+      <p:sp>
+        <p:nvSpPr>
+          <p:cNvPr id="3" name="Espace réservé du contenu 2">
             <a:extLst>
               <a:ext uri="{FF2B5EF4-FFF2-40B4-BE49-F238E27FC236}">
-                <a16:creationId xmlns:a16="http://schemas.microsoft.com/office/drawing/2014/main" id="{72DDF155-6E24-4282-BE17-90C53A276B7E}"/>
+                <a16:creationId xmlns:a16="http://schemas.microsoft.com/office/drawing/2014/main" id="{EE9053B4-ACD2-4137-9392-6A9122D3CA99}"/>
               </a:ext>
             </a:extLst>
           </p:cNvPr>
-          <p:cNvPicPr>
-            <a:picLocks noChangeAspect="1" noChangeArrowheads="1"/>
-          </p:cNvPicPr>
-          <p:nvPr/>
-        </p:nvPicPr>
-        <p:blipFill>
-          <a:blip r:embed="rId2">
+          <p:cNvSpPr>
+            <a:spLocks noGrp="1"/>
+          </p:cNvSpPr>
+          <p:nvPr>
+            <p:ph idx="1"/>
+          </p:nvPr>
+        </p:nvSpPr>
+        <p:spPr/>
+        <p:txBody>
+          <a:bodyPr>
+            <a:normAutofit fontScale="85000" lnSpcReduction="20000"/>
+          </a:bodyPr>
+          <a:lstStyle/>
+          <a:p>
+            <a:pPr marL="0" indent="0">
+              <a:buNone/>
+            </a:pPr>
+            <a:r>
+              <a:rPr lang="fr-FR" sz="2800" b="1" dirty="0"/>
+              <a:t>Taches à réaliser :</a:t>
+            </a:r>
+            <a:endParaRPr lang="fr-FR" dirty="0"/>
+          </a:p>
+          <a:p>
+            <a:pPr marL="0" indent="0">
+              <a:buNone/>
+            </a:pPr>
+            <a:r>
+              <a:rPr lang="fr-FR" u="sng" dirty="0"/>
+              <a:t>Installation :</a:t>
+            </a:r>
+          </a:p>
+          <a:p>
+            <a:r>
+              <a:rPr lang="fr-FR" dirty="0"/>
+              <a:t>Installation du PLC</a:t>
+            </a:r>
+          </a:p>
+          <a:p>
+            <a:r>
+              <a:rPr lang="fr-FR" dirty="0"/>
+              <a:t>Installation Bornes d’accès , voyant et actionneurs</a:t>
+            </a:r>
+          </a:p>
+          <a:p>
+            <a:r>
+              <a:rPr lang="fr-FR" dirty="0"/>
+              <a:t>Installation de l’OS du PLC</a:t>
+            </a:r>
+          </a:p>
+          <a:p>
+            <a:pPr marL="0" indent="0">
+              <a:buNone/>
+            </a:pPr>
+            <a:r>
+              <a:rPr lang="fr-FR" u="sng" dirty="0"/>
+              <a:t>Mise en places :</a:t>
+            </a:r>
+          </a:p>
+          <a:p>
+            <a:r>
+              <a:rPr lang="fr-FR" dirty="0"/>
+              <a:t>PLC</a:t>
+            </a:r>
+          </a:p>
+          <a:p>
+            <a:r>
+              <a:rPr lang="fr-FR" dirty="0"/>
+              <a:t>Lecteur de badges HID/RFID</a:t>
+            </a:r>
+          </a:p>
+          <a:p>
+            <a:r>
+              <a:rPr lang="fr-FR" dirty="0"/>
+              <a:t>Commande des Entrée sortie du PLC</a:t>
+            </a:r>
+          </a:p>
+          <a:p>
+            <a:pPr marL="0" indent="0">
+              <a:buNone/>
+            </a:pPr>
+            <a:r>
+              <a:rPr lang="fr-FR" u="sng" dirty="0"/>
+              <a:t>Configuration :</a:t>
+            </a:r>
+          </a:p>
+          <a:p>
+            <a:r>
+              <a:rPr lang="fr-FR" dirty="0"/>
+              <a:t>PLC</a:t>
+            </a:r>
+          </a:p>
+        </p:txBody>
+      </p:sp>
+      <p:sp>
+        <p:nvSpPr>
+          <p:cNvPr id="5" name="ZoneTexte 4">
             <a:extLst>
-              <a:ext uri="{28A0092B-C50C-407E-A947-70E740481C1C}">
-                <a14:useLocalDpi xmlns:a14="http://schemas.microsoft.com/office/drawing/2010/main" val="0"/>
+              <a:ext uri="{FF2B5EF4-FFF2-40B4-BE49-F238E27FC236}">
+                <a16:creationId xmlns:a16="http://schemas.microsoft.com/office/drawing/2014/main" id="{DB670BAA-80BA-4ED1-9AF3-D88B24A9B887}"/>
               </a:ext>
             </a:extLst>
-          </a:blip>
-          <a:srcRect/>
-          <a:stretch>
-            <a:fillRect/>
-          </a:stretch>
-        </p:blipFill>
-        <p:spPr bwMode="auto">
+          </p:cNvPr>
+          <p:cNvSpPr txBox="1"/>
+          <p:nvPr/>
+        </p:nvSpPr>
+        <p:spPr>
           <a:xfrm>
-            <a:off x="764296" y="1721652"/>
-            <a:ext cx="5711793" cy="4149840"/>
+            <a:off x="161925" y="6434138"/>
+            <a:ext cx="1414463" cy="369332"/>
           </a:xfrm>
           <a:prstGeom prst="rect">
             <a:avLst/>
           </a:prstGeom>
           <a:noFill/>
-          <a:extLst>
-            <a:ext uri="{909E8E84-426E-40DD-AFC4-6F175D3DCCD1}">
-              <a14:hiddenFill xmlns:a14="http://schemas.microsoft.com/office/drawing/2010/main">
-                <a:solidFill>
-                  <a:srgbClr val="FFFFFF"/>
-                </a:solidFill>
-              </a14:hiddenFill>
-            </a:ext>
-          </a:extLst>
         </p:spPr>
-      </p:pic>
+        <p:txBody>
+          <a:bodyPr wrap="square" rtlCol="0">
+            <a:spAutoFit/>
+          </a:bodyPr>
+          <a:lstStyle/>
+          <a:p>
+            <a:r>
+              <a:rPr lang="fr-FR" dirty="0"/>
+              <a:t>Page </a:t>
+            </a:r>
+            <a:fld id="{6B39D2C6-0BA6-4343-AE2F-D862A5E2D269}" type="slidenum">
+              <a:rPr lang="fr-FR" smtClean="0"/>
+              <a:t>10</a:t>
+            </a:fld>
+            <a:r>
+              <a:rPr lang="fr-FR" dirty="0"/>
+              <a:t>/X</a:t>
+            </a:r>
+          </a:p>
+        </p:txBody>
+      </p:sp>
     </p:spTree>
     <p:extLst>
       <p:ext uri="{BB962C8B-B14F-4D97-AF65-F5344CB8AC3E}">
-        <p14:creationId xmlns:p14="http://schemas.microsoft.com/office/powerpoint/2010/main" val="2917944477"/>
+        <p14:creationId xmlns:p14="http://schemas.microsoft.com/office/powerpoint/2010/main" val="869739142"/>
       </p:ext>
     </p:extLst>
   </p:cSld>
@@ -7635,41 +7703,6 @@
       </p:grpSpPr>
       <p:sp>
         <p:nvSpPr>
-          <p:cNvPr id="3" name="ZoneTexte 2">
-            <a:extLst>
-              <a:ext uri="{FF2B5EF4-FFF2-40B4-BE49-F238E27FC236}">
-                <a16:creationId xmlns:a16="http://schemas.microsoft.com/office/drawing/2014/main" id="{F97828BA-0597-4B71-A5A2-E5E343AC8580}"/>
-              </a:ext>
-            </a:extLst>
-          </p:cNvPr>
-          <p:cNvSpPr txBox="1"/>
-          <p:nvPr/>
-        </p:nvSpPr>
-        <p:spPr>
-          <a:xfrm>
-            <a:off x="161925" y="6434138"/>
-            <a:ext cx="1357313" cy="369332"/>
-          </a:xfrm>
-          <a:prstGeom prst="rect">
-            <a:avLst/>
-          </a:prstGeom>
-          <a:noFill/>
-        </p:spPr>
-        <p:txBody>
-          <a:bodyPr wrap="square" rtlCol="0">
-            <a:spAutoFit/>
-          </a:bodyPr>
-          <a:lstStyle/>
-          <a:p>
-            <a:r>
-              <a:rPr lang="fr-FR" dirty="0"/>
-              <a:t>Page 10/13</a:t>
-            </a:r>
-          </a:p>
-        </p:txBody>
-      </p:sp>
-      <p:sp>
-        <p:nvSpPr>
           <p:cNvPr id="5" name="Titre 1">
             <a:extLst>
               <a:ext uri="{FF2B5EF4-FFF2-40B4-BE49-F238E27FC236}">
@@ -7687,7 +7720,7 @@
         <p:spPr>
           <a:xfrm>
             <a:off x="685801" y="609600"/>
-            <a:ext cx="10131425" cy="1456267"/>
+            <a:ext cx="4772607" cy="1456267"/>
           </a:xfrm>
         </p:spPr>
         <p:txBody>
@@ -7698,7 +7731,7 @@
           <a:p>
             <a:r>
               <a:rPr lang="fr-FR" b="1" dirty="0"/>
-              <a:t>Lecture d’un badge</a:t>
+              <a:t>Connection à la BDD</a:t>
             </a:r>
             <a:r>
               <a:rPr lang="fr-FR" dirty="0"/>
@@ -7711,55 +7744,83 @@
           </a:p>
         </p:txBody>
       </p:sp>
-      <p:pic>
-        <p:nvPicPr>
-          <p:cNvPr id="4098" name="Picture 2">
+      <p:sp>
+        <p:nvSpPr>
+          <p:cNvPr id="6" name="ZoneTexte 5">
             <a:extLst>
               <a:ext uri="{FF2B5EF4-FFF2-40B4-BE49-F238E27FC236}">
-                <a16:creationId xmlns:a16="http://schemas.microsoft.com/office/drawing/2014/main" id="{46474FCB-EFDC-428F-858E-7BC8BB49E505}"/>
+                <a16:creationId xmlns:a16="http://schemas.microsoft.com/office/drawing/2014/main" id="{6809E679-28BF-44DE-AC04-816D036D7D9D}"/>
               </a:ext>
             </a:extLst>
           </p:cNvPr>
-          <p:cNvPicPr>
-            <a:picLocks noChangeAspect="1" noChangeArrowheads="1"/>
-          </p:cNvPicPr>
+          <p:cNvSpPr txBox="1"/>
           <p:nvPr/>
-        </p:nvPicPr>
-        <p:blipFill rotWithShape="1">
-          <a:blip r:embed="rId2">
-            <a:extLst>
-              <a:ext uri="{28A0092B-C50C-407E-A947-70E740481C1C}">
-                <a14:useLocalDpi xmlns:a14="http://schemas.microsoft.com/office/drawing/2010/main" val="0"/>
-              </a:ext>
-            </a:extLst>
-          </a:blip>
-          <a:srcRect b="1666"/>
-          <a:stretch/>
-        </p:blipFill>
-        <p:spPr bwMode="auto">
+        </p:nvSpPr>
+        <p:spPr>
           <a:xfrm>
-            <a:off x="568171" y="1540280"/>
-            <a:ext cx="8829878" cy="4629701"/>
+            <a:off x="161925" y="6434138"/>
+            <a:ext cx="1414463" cy="369332"/>
           </a:xfrm>
           <a:prstGeom prst="rect">
             <a:avLst/>
           </a:prstGeom>
           <a:noFill/>
-          <a:extLst>
-            <a:ext uri="{909E8E84-426E-40DD-AFC4-6F175D3DCCD1}">
-              <a14:hiddenFill xmlns:a14="http://schemas.microsoft.com/office/drawing/2010/main">
-                <a:solidFill>
-                  <a:srgbClr val="FFFFFF"/>
-                </a:solidFill>
-              </a14:hiddenFill>
-            </a:ext>
-          </a:extLst>
+        </p:spPr>
+        <p:txBody>
+          <a:bodyPr wrap="square" rtlCol="0">
+            <a:spAutoFit/>
+          </a:bodyPr>
+          <a:lstStyle/>
+          <a:p>
+            <a:r>
+              <a:rPr lang="fr-FR" dirty="0"/>
+              <a:t>Page </a:t>
+            </a:r>
+            <a:fld id="{6B39D2C6-0BA6-4343-AE2F-D862A5E2D269}" type="slidenum">
+              <a:rPr lang="fr-FR" smtClean="0"/>
+              <a:t>11</a:t>
+            </a:fld>
+            <a:r>
+              <a:rPr lang="fr-FR" dirty="0"/>
+              <a:t>/X</a:t>
+            </a:r>
+          </a:p>
+        </p:txBody>
+      </p:sp>
+      <p:pic>
+        <p:nvPicPr>
+          <p:cNvPr id="2" name="Image 1">
+            <a:extLst>
+              <a:ext uri="{FF2B5EF4-FFF2-40B4-BE49-F238E27FC236}">
+                <a16:creationId xmlns:a16="http://schemas.microsoft.com/office/drawing/2014/main" id="{876183FE-AE7C-455D-A5B3-6DEDE6E46D39}"/>
+              </a:ext>
+            </a:extLst>
+          </p:cNvPr>
+          <p:cNvPicPr>
+            <a:picLocks noChangeAspect="1"/>
+          </p:cNvPicPr>
+          <p:nvPr/>
+        </p:nvPicPr>
+        <p:blipFill>
+          <a:blip r:embed="rId2"/>
+          <a:stretch>
+            <a:fillRect/>
+          </a:stretch>
+        </p:blipFill>
+        <p:spPr>
+          <a:xfrm>
+            <a:off x="251926" y="1394981"/>
+            <a:ext cx="7514428" cy="5039157"/>
+          </a:xfrm>
+          <a:prstGeom prst="rect">
+            <a:avLst/>
+          </a:prstGeom>
         </p:spPr>
       </p:pic>
     </p:spTree>
     <p:extLst>
       <p:ext uri="{BB962C8B-B14F-4D97-AF65-F5344CB8AC3E}">
-        <p14:creationId xmlns:p14="http://schemas.microsoft.com/office/powerpoint/2010/main" val="126773713"/>
+        <p14:creationId xmlns:p14="http://schemas.microsoft.com/office/powerpoint/2010/main" val="2917944477"/>
       </p:ext>
     </p:extLst>
   </p:cSld>
@@ -7788,41 +7849,6 @@
       </p:grpSpPr>
       <p:sp>
         <p:nvSpPr>
-          <p:cNvPr id="3" name="ZoneTexte 2">
-            <a:extLst>
-              <a:ext uri="{FF2B5EF4-FFF2-40B4-BE49-F238E27FC236}">
-                <a16:creationId xmlns:a16="http://schemas.microsoft.com/office/drawing/2014/main" id="{F97828BA-0597-4B71-A5A2-E5E343AC8580}"/>
-              </a:ext>
-            </a:extLst>
-          </p:cNvPr>
-          <p:cNvSpPr txBox="1"/>
-          <p:nvPr/>
-        </p:nvSpPr>
-        <p:spPr>
-          <a:xfrm>
-            <a:off x="161925" y="6434138"/>
-            <a:ext cx="1357313" cy="369332"/>
-          </a:xfrm>
-          <a:prstGeom prst="rect">
-            <a:avLst/>
-          </a:prstGeom>
-          <a:noFill/>
-        </p:spPr>
-        <p:txBody>
-          <a:bodyPr wrap="square" rtlCol="0">
-            <a:spAutoFit/>
-          </a:bodyPr>
-          <a:lstStyle/>
-          <a:p>
-            <a:r>
-              <a:rPr lang="fr-FR" dirty="0"/>
-              <a:t>Page 10/13</a:t>
-            </a:r>
-          </a:p>
-        </p:txBody>
-      </p:sp>
-      <p:sp>
-        <p:nvSpPr>
           <p:cNvPr id="5" name="Titre 1">
             <a:extLst>
               <a:ext uri="{FF2B5EF4-FFF2-40B4-BE49-F238E27FC236}">
@@ -7851,7 +7877,7 @@
           <a:p>
             <a:r>
               <a:rPr lang="fr-FR" b="1" dirty="0"/>
-              <a:t>Accéder au parking</a:t>
+              <a:t>Lecture d’un badge</a:t>
             </a:r>
             <a:r>
               <a:rPr lang="fr-FR" dirty="0"/>
@@ -7861,6 +7887,49 @@
               <a:rPr lang="fr-FR" dirty="0"/>
             </a:br>
             <a:endParaRPr lang="fr-FR" dirty="0"/>
+          </a:p>
+        </p:txBody>
+      </p:sp>
+      <p:sp>
+        <p:nvSpPr>
+          <p:cNvPr id="6" name="ZoneTexte 5">
+            <a:extLst>
+              <a:ext uri="{FF2B5EF4-FFF2-40B4-BE49-F238E27FC236}">
+                <a16:creationId xmlns:a16="http://schemas.microsoft.com/office/drawing/2014/main" id="{75B700C1-6986-421C-BA5F-0AB1C0E7D4B4}"/>
+              </a:ext>
+            </a:extLst>
+          </p:cNvPr>
+          <p:cNvSpPr txBox="1"/>
+          <p:nvPr/>
+        </p:nvSpPr>
+        <p:spPr>
+          <a:xfrm>
+            <a:off x="161925" y="6434138"/>
+            <a:ext cx="1414463" cy="369332"/>
+          </a:xfrm>
+          <a:prstGeom prst="rect">
+            <a:avLst/>
+          </a:prstGeom>
+          <a:noFill/>
+        </p:spPr>
+        <p:txBody>
+          <a:bodyPr wrap="square" rtlCol="0">
+            <a:spAutoFit/>
+          </a:bodyPr>
+          <a:lstStyle/>
+          <a:p>
+            <a:r>
+              <a:rPr lang="fr-FR" dirty="0"/>
+              <a:t>Page </a:t>
+            </a:r>
+            <a:fld id="{6B39D2C6-0BA6-4343-AE2F-D862A5E2D269}" type="slidenum">
+              <a:rPr lang="fr-FR" smtClean="0"/>
+              <a:t>12</a:t>
+            </a:fld>
+            <a:r>
+              <a:rPr lang="fr-FR" dirty="0"/>
+              <a:t>/X</a:t>
+            </a:r>
           </a:p>
         </p:txBody>
       </p:sp>
@@ -7869,7 +7938,7 @@
           <p:cNvPr id="2" name="Image 1">
             <a:extLst>
               <a:ext uri="{FF2B5EF4-FFF2-40B4-BE49-F238E27FC236}">
-                <a16:creationId xmlns:a16="http://schemas.microsoft.com/office/drawing/2014/main" id="{003DC55D-F15B-403C-8C37-8652ED7B5966}"/>
+                <a16:creationId xmlns:a16="http://schemas.microsoft.com/office/drawing/2014/main" id="{88E3481A-3142-48A6-A734-D3ADBB94EF4F}"/>
               </a:ext>
             </a:extLst>
           </p:cNvPr>
@@ -7886,8 +7955,8 @@
         </p:blipFill>
         <p:spPr>
           <a:xfrm>
-            <a:off x="822824" y="1565840"/>
-            <a:ext cx="8507605" cy="4682560"/>
+            <a:off x="550505" y="1501775"/>
+            <a:ext cx="8730343" cy="4624361"/>
           </a:xfrm>
           <a:prstGeom prst="rect">
             <a:avLst/>
@@ -7897,7 +7966,7 @@
     </p:spTree>
     <p:extLst>
       <p:ext uri="{BB962C8B-B14F-4D97-AF65-F5344CB8AC3E}">
-        <p14:creationId xmlns:p14="http://schemas.microsoft.com/office/powerpoint/2010/main" val="2429565559"/>
+        <p14:creationId xmlns:p14="http://schemas.microsoft.com/office/powerpoint/2010/main" val="126773713"/>
       </p:ext>
     </p:extLst>
   </p:cSld>
@@ -7926,41 +7995,6 @@
       </p:grpSpPr>
       <p:sp>
         <p:nvSpPr>
-          <p:cNvPr id="3" name="ZoneTexte 2">
-            <a:extLst>
-              <a:ext uri="{FF2B5EF4-FFF2-40B4-BE49-F238E27FC236}">
-                <a16:creationId xmlns:a16="http://schemas.microsoft.com/office/drawing/2014/main" id="{F97828BA-0597-4B71-A5A2-E5E343AC8580}"/>
-              </a:ext>
-            </a:extLst>
-          </p:cNvPr>
-          <p:cNvSpPr txBox="1"/>
-          <p:nvPr/>
-        </p:nvSpPr>
-        <p:spPr>
-          <a:xfrm>
-            <a:off x="161925" y="6434138"/>
-            <a:ext cx="1357313" cy="369332"/>
-          </a:xfrm>
-          <a:prstGeom prst="rect">
-            <a:avLst/>
-          </a:prstGeom>
-          <a:noFill/>
-        </p:spPr>
-        <p:txBody>
-          <a:bodyPr wrap="square" rtlCol="0">
-            <a:spAutoFit/>
-          </a:bodyPr>
-          <a:lstStyle/>
-          <a:p>
-            <a:r>
-              <a:rPr lang="fr-FR" dirty="0"/>
-              <a:t>Page 10/13</a:t>
-            </a:r>
-          </a:p>
-        </p:txBody>
-      </p:sp>
-      <p:sp>
-        <p:nvSpPr>
           <p:cNvPr id="5" name="Titre 1">
             <a:extLst>
               <a:ext uri="{FF2B5EF4-FFF2-40B4-BE49-F238E27FC236}">
@@ -7989,7 +8023,7 @@
           <a:p>
             <a:r>
               <a:rPr lang="fr-FR" b="1" dirty="0"/>
-              <a:t>Ouverture du portail</a:t>
+              <a:t>Accéder au parking</a:t>
             </a:r>
             <a:r>
               <a:rPr lang="fr-FR" dirty="0"/>
@@ -8002,12 +8036,55 @@
           </a:p>
         </p:txBody>
       </p:sp>
+      <p:sp>
+        <p:nvSpPr>
+          <p:cNvPr id="6" name="ZoneTexte 5">
+            <a:extLst>
+              <a:ext uri="{FF2B5EF4-FFF2-40B4-BE49-F238E27FC236}">
+                <a16:creationId xmlns:a16="http://schemas.microsoft.com/office/drawing/2014/main" id="{F91F5369-2161-4C65-92DF-05A5EEE8416B}"/>
+              </a:ext>
+            </a:extLst>
+          </p:cNvPr>
+          <p:cNvSpPr txBox="1"/>
+          <p:nvPr/>
+        </p:nvSpPr>
+        <p:spPr>
+          <a:xfrm>
+            <a:off x="161925" y="6434138"/>
+            <a:ext cx="1414463" cy="369332"/>
+          </a:xfrm>
+          <a:prstGeom prst="rect">
+            <a:avLst/>
+          </a:prstGeom>
+          <a:noFill/>
+        </p:spPr>
+        <p:txBody>
+          <a:bodyPr wrap="square" rtlCol="0">
+            <a:spAutoFit/>
+          </a:bodyPr>
+          <a:lstStyle/>
+          <a:p>
+            <a:r>
+              <a:rPr lang="fr-FR" dirty="0"/>
+              <a:t>Page </a:t>
+            </a:r>
+            <a:fld id="{6B39D2C6-0BA6-4343-AE2F-D862A5E2D269}" type="slidenum">
+              <a:rPr lang="fr-FR" smtClean="0"/>
+              <a:t>13</a:t>
+            </a:fld>
+            <a:r>
+              <a:rPr lang="fr-FR" dirty="0"/>
+              <a:t>/X</a:t>
+            </a:r>
+          </a:p>
+        </p:txBody>
+      </p:sp>
       <p:pic>
         <p:nvPicPr>
-          <p:cNvPr id="2" name="Image 1">
+          <p:cNvPr id="4" name="Image 3">
             <a:extLst>
               <a:ext uri="{FF2B5EF4-FFF2-40B4-BE49-F238E27FC236}">
-                <a16:creationId xmlns:a16="http://schemas.microsoft.com/office/drawing/2014/main" id="{42752992-1494-4FCE-8D46-583F309BFC3F}"/>
+                <a16:creationId xmlns:a16="http://schemas.microsoft.com/office/drawing/2014/main" id="{5D01509C-8AC1-482B-96C8-9F20BA4E435F}"/>
               </a:ext>
             </a:extLst>
           </p:cNvPr>
@@ -8024,8 +8101,154 @@
         </p:blipFill>
         <p:spPr>
           <a:xfrm>
-            <a:off x="5640564" y="146717"/>
-            <a:ext cx="6389511" cy="6564566"/>
+            <a:off x="1576388" y="1470658"/>
+            <a:ext cx="9775371" cy="5227724"/>
+          </a:xfrm>
+          <a:prstGeom prst="rect">
+            <a:avLst/>
+          </a:prstGeom>
+        </p:spPr>
+      </p:pic>
+    </p:spTree>
+    <p:extLst>
+      <p:ext uri="{BB962C8B-B14F-4D97-AF65-F5344CB8AC3E}">
+        <p14:creationId xmlns:p14="http://schemas.microsoft.com/office/powerpoint/2010/main" val="2429565559"/>
+      </p:ext>
+    </p:extLst>
+  </p:cSld>
+  <p:clrMapOvr>
+    <a:masterClrMapping/>
+  </p:clrMapOvr>
+</p:sld>
+</file>
+
+<file path=ppt/slides/slide14.xml><?xml version="1.0" encoding="utf-8"?>
+<p:sld xmlns:a="http://schemas.openxmlformats.org/drawingml/2006/main" xmlns:r="http://schemas.openxmlformats.org/officeDocument/2006/relationships" xmlns:p="http://schemas.openxmlformats.org/presentationml/2006/main">
+  <p:cSld>
+    <p:spTree>
+      <p:nvGrpSpPr>
+        <p:cNvPr id="1" name=""/>
+        <p:cNvGrpSpPr/>
+        <p:nvPr/>
+      </p:nvGrpSpPr>
+      <p:grpSpPr>
+        <a:xfrm>
+          <a:off x="0" y="0"/>
+          <a:ext cx="0" cy="0"/>
+          <a:chOff x="0" y="0"/>
+          <a:chExt cx="0" cy="0"/>
+        </a:xfrm>
+      </p:grpSpPr>
+      <p:sp>
+        <p:nvSpPr>
+          <p:cNvPr id="5" name="Titre 1">
+            <a:extLst>
+              <a:ext uri="{FF2B5EF4-FFF2-40B4-BE49-F238E27FC236}">
+                <a16:creationId xmlns:a16="http://schemas.microsoft.com/office/drawing/2014/main" id="{918399C5-85DB-4D16-ACC0-ECE2CC221515}"/>
+              </a:ext>
+            </a:extLst>
+          </p:cNvPr>
+          <p:cNvSpPr>
+            <a:spLocks noGrp="1"/>
+          </p:cNvSpPr>
+          <p:nvPr>
+            <p:ph type="title"/>
+          </p:nvPr>
+        </p:nvSpPr>
+        <p:spPr>
+          <a:xfrm>
+            <a:off x="685801" y="609600"/>
+            <a:ext cx="10131425" cy="1456267"/>
+          </a:xfrm>
+        </p:spPr>
+        <p:txBody>
+          <a:bodyPr>
+            <a:normAutofit/>
+          </a:bodyPr>
+          <a:lstStyle/>
+          <a:p>
+            <a:r>
+              <a:rPr lang="fr-FR" b="1" dirty="0"/>
+              <a:t>Ouverture du portail</a:t>
+            </a:r>
+            <a:r>
+              <a:rPr lang="fr-FR" dirty="0"/>
+              <a:t>	</a:t>
+            </a:r>
+            <a:br>
+              <a:rPr lang="fr-FR" dirty="0"/>
+            </a:br>
+            <a:endParaRPr lang="fr-FR" dirty="0"/>
+          </a:p>
+        </p:txBody>
+      </p:sp>
+      <p:sp>
+        <p:nvSpPr>
+          <p:cNvPr id="6" name="ZoneTexte 5">
+            <a:extLst>
+              <a:ext uri="{FF2B5EF4-FFF2-40B4-BE49-F238E27FC236}">
+                <a16:creationId xmlns:a16="http://schemas.microsoft.com/office/drawing/2014/main" id="{C7CEEAC6-C379-4786-A42C-A6C4C28AAC43}"/>
+              </a:ext>
+            </a:extLst>
+          </p:cNvPr>
+          <p:cNvSpPr txBox="1"/>
+          <p:nvPr/>
+        </p:nvSpPr>
+        <p:spPr>
+          <a:xfrm>
+            <a:off x="161925" y="6434138"/>
+            <a:ext cx="1414463" cy="369332"/>
+          </a:xfrm>
+          <a:prstGeom prst="rect">
+            <a:avLst/>
+          </a:prstGeom>
+          <a:noFill/>
+        </p:spPr>
+        <p:txBody>
+          <a:bodyPr wrap="square" rtlCol="0">
+            <a:spAutoFit/>
+          </a:bodyPr>
+          <a:lstStyle/>
+          <a:p>
+            <a:r>
+              <a:rPr lang="fr-FR" dirty="0"/>
+              <a:t>Page </a:t>
+            </a:r>
+            <a:fld id="{6B39D2C6-0BA6-4343-AE2F-D862A5E2D269}" type="slidenum">
+              <a:rPr lang="fr-FR" smtClean="0"/>
+              <a:t>14</a:t>
+            </a:fld>
+            <a:r>
+              <a:rPr lang="fr-FR" dirty="0"/>
+              <a:t>/X</a:t>
+            </a:r>
+          </a:p>
+        </p:txBody>
+      </p:sp>
+      <p:pic>
+        <p:nvPicPr>
+          <p:cNvPr id="4" name="Image 3">
+            <a:extLst>
+              <a:ext uri="{FF2B5EF4-FFF2-40B4-BE49-F238E27FC236}">
+                <a16:creationId xmlns:a16="http://schemas.microsoft.com/office/drawing/2014/main" id="{A14DF536-9982-4587-914B-655A17B4CA01}"/>
+              </a:ext>
+            </a:extLst>
+          </p:cNvPr>
+          <p:cNvPicPr>
+            <a:picLocks noChangeAspect="1"/>
+          </p:cNvPicPr>
+          <p:nvPr/>
+        </p:nvPicPr>
+        <p:blipFill>
+          <a:blip r:embed="rId2"/>
+          <a:stretch>
+            <a:fillRect/>
+          </a:stretch>
+        </p:blipFill>
+        <p:spPr>
+          <a:xfrm>
+            <a:off x="5773651" y="139958"/>
+            <a:ext cx="6092039" cy="6195528"/>
           </a:xfrm>
           <a:prstGeom prst="rect">
             <a:avLst/>
@@ -8045,7 +8268,7 @@
 </p:sld>
 </file>
 
-<file path=ppt/slides/slide14.xml><?xml version="1.0" encoding="utf-8"?>
+<file path=ppt/slides/slide15.xml><?xml version="1.0" encoding="utf-8"?>
 <p:sld xmlns:a="http://schemas.openxmlformats.org/drawingml/2006/main" xmlns:r="http://schemas.openxmlformats.org/officeDocument/2006/relationships" xmlns:p="http://schemas.openxmlformats.org/presentationml/2006/main">
   <p:cSld>
     <p:spTree>
@@ -8253,10 +8476,10 @@
       </p:pic>
       <p:sp>
         <p:nvSpPr>
-          <p:cNvPr id="6" name="ZoneTexte 5">
+          <p:cNvPr id="7" name="ZoneTexte 6">
             <a:extLst>
               <a:ext uri="{FF2B5EF4-FFF2-40B4-BE49-F238E27FC236}">
-                <a16:creationId xmlns:a16="http://schemas.microsoft.com/office/drawing/2014/main" id="{893F2249-5365-4E2F-B65B-75EF1F20D4C9}"/>
+                <a16:creationId xmlns:a16="http://schemas.microsoft.com/office/drawing/2014/main" id="{73F4AA0B-0FD0-45C3-AFBD-D637F0B7B195}"/>
               </a:ext>
             </a:extLst>
           </p:cNvPr>
@@ -8266,7 +8489,7 @@
         <p:spPr>
           <a:xfrm>
             <a:off x="161925" y="6434138"/>
-            <a:ext cx="1243013" cy="369332"/>
+            <a:ext cx="1414463" cy="369332"/>
           </a:xfrm>
           <a:prstGeom prst="rect">
             <a:avLst/>
@@ -8281,7 +8504,15 @@
           <a:p>
             <a:r>
               <a:rPr lang="fr-FR" dirty="0"/>
-              <a:t>Page 11/13</a:t>
+              <a:t>Page </a:t>
+            </a:r>
+            <a:fld id="{6B39D2C6-0BA6-4343-AE2F-D862A5E2D269}" type="slidenum">
+              <a:rPr lang="fr-FR" smtClean="0"/>
+              <a:t>15</a:t>
+            </a:fld>
+            <a:r>
+              <a:rPr lang="fr-FR" dirty="0"/>
+              <a:t>/X</a:t>
             </a:r>
           </a:p>
         </p:txBody>
@@ -8299,7 +8530,7 @@
 </p:sld>
 </file>
 
-<file path=ppt/slides/slide15.xml><?xml version="1.0" encoding="utf-8"?>
+<file path=ppt/slides/slide16.xml><?xml version="1.0" encoding="utf-8"?>
 <p:sld xmlns:a="http://schemas.openxmlformats.org/drawingml/2006/main" xmlns:r="http://schemas.openxmlformats.org/officeDocument/2006/relationships" xmlns:p="http://schemas.openxmlformats.org/presentationml/2006/main">
   <p:cSld>
     <p:spTree>
@@ -8787,41 +9018,6 @@
           </a:prstGeom>
         </p:spPr>
       </p:pic>
-      <p:sp>
-        <p:nvSpPr>
-          <p:cNvPr id="8" name="ZoneTexte 7">
-            <a:extLst>
-              <a:ext uri="{FF2B5EF4-FFF2-40B4-BE49-F238E27FC236}">
-                <a16:creationId xmlns:a16="http://schemas.microsoft.com/office/drawing/2014/main" id="{81AC82DE-95B2-46E7-9087-EC92D5AB0EFF}"/>
-              </a:ext>
-            </a:extLst>
-          </p:cNvPr>
-          <p:cNvSpPr txBox="1"/>
-          <p:nvPr/>
-        </p:nvSpPr>
-        <p:spPr>
-          <a:xfrm>
-            <a:off x="161925" y="6434138"/>
-            <a:ext cx="1314450" cy="369332"/>
-          </a:xfrm>
-          <a:prstGeom prst="rect">
-            <a:avLst/>
-          </a:prstGeom>
-          <a:noFill/>
-        </p:spPr>
-        <p:txBody>
-          <a:bodyPr wrap="square" rtlCol="0">
-            <a:spAutoFit/>
-          </a:bodyPr>
-          <a:lstStyle/>
-          <a:p>
-            <a:r>
-              <a:rPr lang="fr-FR" dirty="0"/>
-              <a:t>Page 12/13</a:t>
-            </a:r>
-          </a:p>
-        </p:txBody>
-      </p:sp>
       <p:pic>
         <p:nvPicPr>
           <p:cNvPr id="2" name="Image 1">
@@ -8881,42 +9077,12 @@
           </a:prstGeom>
         </p:spPr>
       </p:pic>
-    </p:spTree>
-    <p:extLst>
-      <p:ext uri="{BB962C8B-B14F-4D97-AF65-F5344CB8AC3E}">
-        <p14:creationId xmlns:p14="http://schemas.microsoft.com/office/powerpoint/2010/main" val="3649752889"/>
-      </p:ext>
-    </p:extLst>
-  </p:cSld>
-  <p:clrMapOvr>
-    <a:masterClrMapping/>
-  </p:clrMapOvr>
-</p:sld>
-</file>
-
-<file path=ppt/slides/slide16.xml><?xml version="1.0" encoding="utf-8"?>
-<p:sld xmlns:a="http://schemas.openxmlformats.org/drawingml/2006/main" xmlns:r="http://schemas.openxmlformats.org/officeDocument/2006/relationships" xmlns:p="http://schemas.openxmlformats.org/presentationml/2006/main" show="0">
-  <p:cSld>
-    <p:spTree>
-      <p:nvGrpSpPr>
-        <p:cNvPr id="1" name=""/>
-        <p:cNvGrpSpPr/>
-        <p:nvPr/>
-      </p:nvGrpSpPr>
-      <p:grpSpPr>
-        <a:xfrm>
-          <a:off x="0" y="0"/>
-          <a:ext cx="0" cy="0"/>
-          <a:chOff x="0" y="0"/>
-          <a:chExt cx="0" cy="0"/>
-        </a:xfrm>
-      </p:grpSpPr>
-      <p:sp>
-        <p:nvSpPr>
-          <p:cNvPr id="3" name="ZoneTexte 2">
+      <p:sp>
+        <p:nvSpPr>
+          <p:cNvPr id="10" name="ZoneTexte 9">
             <a:extLst>
               <a:ext uri="{FF2B5EF4-FFF2-40B4-BE49-F238E27FC236}">
-                <a16:creationId xmlns:a16="http://schemas.microsoft.com/office/drawing/2014/main" id="{FB13E0D6-5BAF-4381-B1D2-5E3522F6EF76}"/>
+                <a16:creationId xmlns:a16="http://schemas.microsoft.com/office/drawing/2014/main" id="{3586E255-09FD-4E8C-96F4-2721AADD04E8}"/>
               </a:ext>
             </a:extLst>
           </p:cNvPr>
@@ -8941,45 +9107,23 @@
           <a:p>
             <a:r>
               <a:rPr lang="fr-FR" dirty="0"/>
-              <a:t>Page 12/X</a:t>
-            </a:r>
-          </a:p>
-        </p:txBody>
-      </p:sp>
-      <p:pic>
-        <p:nvPicPr>
-          <p:cNvPr id="2" name="Image 1">
-            <a:extLst>
-              <a:ext uri="{FF2B5EF4-FFF2-40B4-BE49-F238E27FC236}">
-                <a16:creationId xmlns:a16="http://schemas.microsoft.com/office/drawing/2014/main" id="{0F8973AE-89EE-43CD-B1A5-7ACE73B01163}"/>
-              </a:ext>
-            </a:extLst>
-          </p:cNvPr>
-          <p:cNvPicPr>
-            <a:picLocks noChangeAspect="1"/>
-          </p:cNvPicPr>
-          <p:nvPr/>
-        </p:nvPicPr>
-        <p:blipFill>
-          <a:blip r:embed="rId2"/>
-          <a:stretch>
-            <a:fillRect/>
-          </a:stretch>
-        </p:blipFill>
-        <p:spPr>
-          <a:xfrm>
-            <a:off x="0" y="664494"/>
-            <a:ext cx="12192000" cy="5529012"/>
-          </a:xfrm>
-          <a:prstGeom prst="rect">
-            <a:avLst/>
-          </a:prstGeom>
-        </p:spPr>
-      </p:pic>
+              <a:t>Page </a:t>
+            </a:r>
+            <a:fld id="{6B39D2C6-0BA6-4343-AE2F-D862A5E2D269}" type="slidenum">
+              <a:rPr lang="fr-FR" smtClean="0"/>
+              <a:t>16</a:t>
+            </a:fld>
+            <a:r>
+              <a:rPr lang="fr-FR" dirty="0"/>
+              <a:t>/X</a:t>
+            </a:r>
+          </a:p>
+        </p:txBody>
+      </p:sp>
     </p:spTree>
     <p:extLst>
       <p:ext uri="{BB962C8B-B14F-4D97-AF65-F5344CB8AC3E}">
-        <p14:creationId xmlns:p14="http://schemas.microsoft.com/office/powerpoint/2010/main" val="768369196"/>
+        <p14:creationId xmlns:p14="http://schemas.microsoft.com/office/powerpoint/2010/main" val="3649752889"/>
       </p:ext>
     </p:extLst>
   </p:cSld>
@@ -9006,6 +9150,66 @@
           <a:chExt cx="0" cy="0"/>
         </a:xfrm>
       </p:grpSpPr>
+      <p:pic>
+        <p:nvPicPr>
+          <p:cNvPr id="4" name="Image 3">
+            <a:extLst>
+              <a:ext uri="{FF2B5EF4-FFF2-40B4-BE49-F238E27FC236}">
+                <a16:creationId xmlns:a16="http://schemas.microsoft.com/office/drawing/2014/main" id="{A647CDAC-191D-41EB-81C9-418765EC2E24}"/>
+              </a:ext>
+            </a:extLst>
+          </p:cNvPr>
+          <p:cNvPicPr>
+            <a:picLocks noChangeAspect="1"/>
+          </p:cNvPicPr>
+          <p:nvPr/>
+        </p:nvPicPr>
+        <p:blipFill>
+          <a:blip r:embed="rId2"/>
+          <a:stretch>
+            <a:fillRect/>
+          </a:stretch>
+        </p:blipFill>
+        <p:spPr>
+          <a:xfrm>
+            <a:off x="1102208" y="1054376"/>
+            <a:ext cx="9665939" cy="3689902"/>
+          </a:xfrm>
+          <a:prstGeom prst="rect">
+            <a:avLst/>
+          </a:prstGeom>
+        </p:spPr>
+      </p:pic>
+    </p:spTree>
+    <p:extLst>
+      <p:ext uri="{BB962C8B-B14F-4D97-AF65-F5344CB8AC3E}">
+        <p14:creationId xmlns:p14="http://schemas.microsoft.com/office/powerpoint/2010/main" val="635295250"/>
+      </p:ext>
+    </p:extLst>
+  </p:cSld>
+  <p:clrMapOvr>
+    <a:masterClrMapping/>
+  </p:clrMapOvr>
+</p:sld>
+</file>
+
+<file path=ppt/slides/slide18.xml><?xml version="1.0" encoding="utf-8"?>
+<p:sld xmlns:a="http://schemas.openxmlformats.org/drawingml/2006/main" xmlns:r="http://schemas.openxmlformats.org/officeDocument/2006/relationships" xmlns:p="http://schemas.openxmlformats.org/presentationml/2006/main">
+  <p:cSld>
+    <p:spTree>
+      <p:nvGrpSpPr>
+        <p:cNvPr id="1" name=""/>
+        <p:cNvGrpSpPr/>
+        <p:nvPr/>
+      </p:nvGrpSpPr>
+      <p:grpSpPr>
+        <a:xfrm>
+          <a:off x="0" y="0"/>
+          <a:ext cx="0" cy="0"/>
+          <a:chOff x="0" y="0"/>
+          <a:chExt cx="0" cy="0"/>
+        </a:xfrm>
+      </p:grpSpPr>
       <p:sp>
         <p:nvSpPr>
           <p:cNvPr id="2" name="Titre 1">
@@ -9082,10 +9286,10 @@
       </p:sp>
       <p:sp>
         <p:nvSpPr>
-          <p:cNvPr id="4" name="ZoneTexte 3">
+          <p:cNvPr id="5" name="ZoneTexte 4">
             <a:extLst>
               <a:ext uri="{FF2B5EF4-FFF2-40B4-BE49-F238E27FC236}">
-                <a16:creationId xmlns:a16="http://schemas.microsoft.com/office/drawing/2014/main" id="{DD51C413-E062-46BE-AE49-F3AE9C2EBF8B}"/>
+                <a16:creationId xmlns:a16="http://schemas.microsoft.com/office/drawing/2014/main" id="{A981B954-B1CA-463F-8103-55B21240854F}"/>
               </a:ext>
             </a:extLst>
           </p:cNvPr>
@@ -9095,7 +9299,7 @@
         <p:spPr>
           <a:xfrm>
             <a:off x="161925" y="6434138"/>
-            <a:ext cx="1262063" cy="369332"/>
+            <a:ext cx="1414463" cy="369332"/>
           </a:xfrm>
           <a:prstGeom prst="rect">
             <a:avLst/>
@@ -9110,7 +9314,15 @@
           <a:p>
             <a:r>
               <a:rPr lang="fr-FR" dirty="0"/>
-              <a:t>Page 13/13</a:t>
+              <a:t>Page </a:t>
+            </a:r>
+            <a:fld id="{6B39D2C6-0BA6-4343-AE2F-D862A5E2D269}" type="slidenum">
+              <a:rPr lang="fr-FR" smtClean="0"/>
+              <a:t>18</a:t>
+            </a:fld>
+            <a:r>
+              <a:rPr lang="fr-FR" dirty="0"/>
+              <a:t>/X</a:t>
             </a:r>
           </a:p>
         </p:txBody>
@@ -9485,10 +9697,10 @@
       </p:grpSp>
       <p:sp>
         <p:nvSpPr>
-          <p:cNvPr id="13" name="ZoneTexte 12">
+          <p:cNvPr id="15" name="ZoneTexte 14">
             <a:extLst>
               <a:ext uri="{FF2B5EF4-FFF2-40B4-BE49-F238E27FC236}">
-                <a16:creationId xmlns:a16="http://schemas.microsoft.com/office/drawing/2014/main" id="{32D5CB85-6A84-42F8-8303-0A7890D376CA}"/>
+                <a16:creationId xmlns:a16="http://schemas.microsoft.com/office/drawing/2014/main" id="{346872F5-E2B2-4F32-A381-9F05D8B7029E}"/>
               </a:ext>
             </a:extLst>
           </p:cNvPr>
@@ -9498,7 +9710,7 @@
         <p:spPr>
           <a:xfrm>
             <a:off x="161925" y="6434138"/>
-            <a:ext cx="1295400" cy="369332"/>
+            <a:ext cx="1414463" cy="369332"/>
           </a:xfrm>
           <a:prstGeom prst="rect">
             <a:avLst/>
@@ -9513,7 +9725,15 @@
           <a:p>
             <a:r>
               <a:rPr lang="fr-FR" dirty="0"/>
-              <a:t>Page 2/13</a:t>
+              <a:t>Page </a:t>
+            </a:r>
+            <a:fld id="{6B39D2C6-0BA6-4343-AE2F-D862A5E2D269}" type="slidenum">
+              <a:rPr lang="fr-FR" smtClean="0"/>
+              <a:t>2</a:t>
+            </a:fld>
+            <a:r>
+              <a:rPr lang="fr-FR" dirty="0"/>
+              <a:t>/X</a:t>
             </a:r>
           </a:p>
         </p:txBody>
@@ -9770,10 +9990,10 @@
       </p:sp>
       <p:sp>
         <p:nvSpPr>
-          <p:cNvPr id="6" name="ZoneTexte 5">
+          <p:cNvPr id="8" name="ZoneTexte 7">
             <a:extLst>
               <a:ext uri="{FF2B5EF4-FFF2-40B4-BE49-F238E27FC236}">
-                <a16:creationId xmlns:a16="http://schemas.microsoft.com/office/drawing/2014/main" id="{ACC0550E-A52F-453B-AB6A-ED366069FF3C}"/>
+                <a16:creationId xmlns:a16="http://schemas.microsoft.com/office/drawing/2014/main" id="{E34EA807-0C4F-4AAA-8E92-8E808439ED3D}"/>
               </a:ext>
             </a:extLst>
           </p:cNvPr>
@@ -9783,7 +10003,7 @@
         <p:spPr>
           <a:xfrm>
             <a:off x="161925" y="6434138"/>
-            <a:ext cx="1238250" cy="369332"/>
+            <a:ext cx="1414463" cy="369332"/>
           </a:xfrm>
           <a:prstGeom prst="rect">
             <a:avLst/>
@@ -9798,7 +10018,15 @@
           <a:p>
             <a:r>
               <a:rPr lang="fr-FR" dirty="0"/>
-              <a:t>Page 3/13</a:t>
+              <a:t>Page </a:t>
+            </a:r>
+            <a:fld id="{6B39D2C6-0BA6-4343-AE2F-D862A5E2D269}" type="slidenum">
+              <a:rPr lang="fr-FR" smtClean="0"/>
+              <a:t>3</a:t>
+            </a:fld>
+            <a:r>
+              <a:rPr lang="fr-FR" dirty="0"/>
+              <a:t>/X</a:t>
             </a:r>
           </a:p>
         </p:txBody>
@@ -10058,10 +10286,10 @@
       </p:sp>
       <p:sp>
         <p:nvSpPr>
-          <p:cNvPr id="6" name="ZoneTexte 5">
+          <p:cNvPr id="8" name="ZoneTexte 7">
             <a:extLst>
               <a:ext uri="{FF2B5EF4-FFF2-40B4-BE49-F238E27FC236}">
-                <a16:creationId xmlns:a16="http://schemas.microsoft.com/office/drawing/2014/main" id="{DDD5ED95-576D-4D35-A716-11CB8F00612F}"/>
+                <a16:creationId xmlns:a16="http://schemas.microsoft.com/office/drawing/2014/main" id="{7906F682-0197-43F7-A82D-DABEBB00B8A2}"/>
               </a:ext>
             </a:extLst>
           </p:cNvPr>
@@ -10071,7 +10299,7 @@
         <p:spPr>
           <a:xfrm>
             <a:off x="161925" y="6434138"/>
-            <a:ext cx="1166813" cy="369332"/>
+            <a:ext cx="1414463" cy="369332"/>
           </a:xfrm>
           <a:prstGeom prst="rect">
             <a:avLst/>
@@ -10086,7 +10314,15 @@
           <a:p>
             <a:r>
               <a:rPr lang="fr-FR" dirty="0"/>
-              <a:t>Page 4/13</a:t>
+              <a:t>Page </a:t>
+            </a:r>
+            <a:fld id="{6B39D2C6-0BA6-4343-AE2F-D862A5E2D269}" type="slidenum">
+              <a:rPr lang="fr-FR" smtClean="0"/>
+              <a:t>4</a:t>
+            </a:fld>
+            <a:r>
+              <a:rPr lang="fr-FR" dirty="0"/>
+              <a:t>/X</a:t>
             </a:r>
           </a:p>
         </p:txBody>
@@ -10836,10 +11072,10 @@
       </p:graphicFrame>
       <p:sp>
         <p:nvSpPr>
-          <p:cNvPr id="6" name="ZoneTexte 5">
+          <p:cNvPr id="7" name="ZoneTexte 6">
             <a:extLst>
               <a:ext uri="{FF2B5EF4-FFF2-40B4-BE49-F238E27FC236}">
-                <a16:creationId xmlns:a16="http://schemas.microsoft.com/office/drawing/2014/main" id="{F63AC10E-478D-4452-B6F1-5406B1D322C3}"/>
+                <a16:creationId xmlns:a16="http://schemas.microsoft.com/office/drawing/2014/main" id="{2392F83D-710A-4F48-8897-2C9C3CA09548}"/>
               </a:ext>
             </a:extLst>
           </p:cNvPr>
@@ -10849,7 +11085,7 @@
         <p:spPr>
           <a:xfrm>
             <a:off x="161925" y="6434138"/>
-            <a:ext cx="1266825" cy="369332"/>
+            <a:ext cx="1414463" cy="369332"/>
           </a:xfrm>
           <a:prstGeom prst="rect">
             <a:avLst/>
@@ -10868,7 +11104,23 @@
                   <a:schemeClr val="bg1"/>
                 </a:solidFill>
               </a:rPr>
-              <a:t>Page 5/13</a:t>
+              <a:t>Page </a:t>
+            </a:r>
+            <a:fld id="{6B39D2C6-0BA6-4343-AE2F-D862A5E2D269}" type="slidenum">
+              <a:rPr lang="fr-FR" smtClean="0">
+                <a:solidFill>
+                  <a:schemeClr val="bg1"/>
+                </a:solidFill>
+              </a:rPr>
+              <a:t>5</a:t>
+            </a:fld>
+            <a:r>
+              <a:rPr lang="fr-FR" dirty="0">
+                <a:solidFill>
+                  <a:schemeClr val="bg1"/>
+                </a:solidFill>
+              </a:rPr>
+              <a:t>/X</a:t>
             </a:r>
           </a:p>
         </p:txBody>
@@ -13325,8 +13577,8 @@
         </p:nvSpPr>
         <p:spPr>
           <a:xfrm>
-            <a:off x="1871209" y="792337"/>
-            <a:ext cx="8449582" cy="2421464"/>
+            <a:off x="1871209" y="2352583"/>
+            <a:ext cx="8449582" cy="861218"/>
           </a:xfrm>
         </p:spPr>
         <p:txBody>
@@ -13434,10 +13686,10 @@
       </p:sp>
       <p:sp>
         <p:nvSpPr>
-          <p:cNvPr id="10" name="ZoneTexte 9">
+          <p:cNvPr id="12" name="ZoneTexte 11">
             <a:extLst>
               <a:ext uri="{FF2B5EF4-FFF2-40B4-BE49-F238E27FC236}">
-                <a16:creationId xmlns:a16="http://schemas.microsoft.com/office/drawing/2014/main" id="{F9F9F143-2815-414D-AD98-336F429037BE}"/>
+                <a16:creationId xmlns:a16="http://schemas.microsoft.com/office/drawing/2014/main" id="{14268835-BC5D-4326-B21E-32B90DB1D28C}"/>
               </a:ext>
             </a:extLst>
           </p:cNvPr>
@@ -13447,7 +13699,7 @@
         <p:spPr>
           <a:xfrm>
             <a:off x="161925" y="6434138"/>
-            <a:ext cx="1195388" cy="369332"/>
+            <a:ext cx="1414463" cy="369332"/>
           </a:xfrm>
           <a:prstGeom prst="rect">
             <a:avLst/>
@@ -13466,7 +13718,23 @@
                   <a:schemeClr val="bg1"/>
                 </a:solidFill>
               </a:rPr>
-              <a:t>Page 6/13</a:t>
+              <a:t>Page </a:t>
+            </a:r>
+            <a:fld id="{6B39D2C6-0BA6-4343-AE2F-D862A5E2D269}" type="slidenum">
+              <a:rPr lang="fr-FR" smtClean="0">
+                <a:solidFill>
+                  <a:schemeClr val="bg1"/>
+                </a:solidFill>
+              </a:rPr>
+              <a:t>6</a:t>
+            </a:fld>
+            <a:r>
+              <a:rPr lang="fr-FR" dirty="0">
+                <a:solidFill>
+                  <a:schemeClr val="bg1"/>
+                </a:solidFill>
+              </a:rPr>
+              <a:t>/X</a:t>
             </a:r>
           </a:p>
         </p:txBody>
@@ -13576,10 +13844,10 @@
       </p:sp>
       <p:sp>
         <p:nvSpPr>
-          <p:cNvPr id="7" name="ZoneTexte 6">
+          <p:cNvPr id="9" name="ZoneTexte 8">
             <a:extLst>
               <a:ext uri="{FF2B5EF4-FFF2-40B4-BE49-F238E27FC236}">
-                <a16:creationId xmlns:a16="http://schemas.microsoft.com/office/drawing/2014/main" id="{8E6DBE84-4022-487A-8A50-71C2B88B21A7}"/>
+                <a16:creationId xmlns:a16="http://schemas.microsoft.com/office/drawing/2014/main" id="{B2111748-06FC-4608-B46C-811745C7CF38}"/>
               </a:ext>
             </a:extLst>
           </p:cNvPr>
@@ -13589,7 +13857,7 @@
         <p:spPr>
           <a:xfrm>
             <a:off x="161925" y="6434138"/>
-            <a:ext cx="1143000" cy="369332"/>
+            <a:ext cx="1414463" cy="369332"/>
           </a:xfrm>
           <a:prstGeom prst="rect">
             <a:avLst/>
@@ -13604,7 +13872,15 @@
           <a:p>
             <a:r>
               <a:rPr lang="fr-FR" dirty="0"/>
-              <a:t>Page 7/13</a:t>
+              <a:t>Page </a:t>
+            </a:r>
+            <a:fld id="{6B39D2C6-0BA6-4343-AE2F-D862A5E2D269}" type="slidenum">
+              <a:rPr lang="fr-FR" smtClean="0"/>
+              <a:t>7</a:t>
+            </a:fld>
+            <a:r>
+              <a:rPr lang="fr-FR" dirty="0"/>
+              <a:t>/X</a:t>
             </a:r>
           </a:p>
         </p:txBody>
@@ -13639,123 +13915,42 @@
           <a:chExt cx="0" cy="0"/>
         </a:xfrm>
       </p:grpSpPr>
-      <p:sp>
-        <p:nvSpPr>
-          <p:cNvPr id="2" name="Titre 1">
+      <p:pic>
+        <p:nvPicPr>
+          <p:cNvPr id="2" name="Image 1">
             <a:extLst>
               <a:ext uri="{FF2B5EF4-FFF2-40B4-BE49-F238E27FC236}">
-                <a16:creationId xmlns:a16="http://schemas.microsoft.com/office/drawing/2014/main" id="{C92BAFFE-F692-4089-8C82-9D869922FCB0}"/>
+                <a16:creationId xmlns:a16="http://schemas.microsoft.com/office/drawing/2014/main" id="{0F8973AE-89EE-43CD-B1A5-7ACE73B01163}"/>
               </a:ext>
             </a:extLst>
           </p:cNvPr>
-          <p:cNvSpPr>
-            <a:spLocks noGrp="1"/>
-          </p:cNvSpPr>
-          <p:nvPr>
-            <p:ph type="title"/>
-          </p:nvPr>
-        </p:nvSpPr>
-        <p:spPr/>
-        <p:txBody>
-          <a:bodyPr>
-            <a:normAutofit fontScale="90000"/>
-          </a:bodyPr>
-          <a:lstStyle/>
-          <a:p>
-            <a:r>
-              <a:rPr lang="fr-FR" b="1" dirty="0"/>
-              <a:t>Développement de l’automate de gestion d’accès au parking (sur PLC Raspberry) </a:t>
-            </a:r>
-            <a:r>
-              <a:rPr lang="fr-FR" dirty="0"/>
-              <a:t>	</a:t>
-            </a:r>
-            <a:br>
-              <a:rPr lang="fr-FR" dirty="0"/>
-            </a:br>
-            <a:endParaRPr lang="fr-FR" dirty="0"/>
-          </a:p>
-        </p:txBody>
-      </p:sp>
-      <p:sp>
-        <p:nvSpPr>
-          <p:cNvPr id="3" name="Espace réservé du contenu 2">
+          <p:cNvPicPr>
+            <a:picLocks noChangeAspect="1"/>
+          </p:cNvPicPr>
+          <p:nvPr/>
+        </p:nvPicPr>
+        <p:blipFill>
+          <a:blip r:embed="rId2"/>
+          <a:stretch>
+            <a:fillRect/>
+          </a:stretch>
+        </p:blipFill>
+        <p:spPr>
+          <a:xfrm>
+            <a:off x="0" y="664494"/>
+            <a:ext cx="12192000" cy="5529012"/>
+          </a:xfrm>
+          <a:prstGeom prst="rect">
+            <a:avLst/>
+          </a:prstGeom>
+        </p:spPr>
+      </p:pic>
+      <p:sp>
+        <p:nvSpPr>
+          <p:cNvPr id="5" name="ZoneTexte 4">
             <a:extLst>
               <a:ext uri="{FF2B5EF4-FFF2-40B4-BE49-F238E27FC236}">
-                <a16:creationId xmlns:a16="http://schemas.microsoft.com/office/drawing/2014/main" id="{EE9053B4-ACD2-4137-9392-6A9122D3CA99}"/>
-              </a:ext>
-            </a:extLst>
-          </p:cNvPr>
-          <p:cNvSpPr>
-            <a:spLocks noGrp="1"/>
-          </p:cNvSpPr>
-          <p:nvPr>
-            <p:ph idx="1"/>
-          </p:nvPr>
-        </p:nvSpPr>
-        <p:spPr/>
-        <p:txBody>
-          <a:bodyPr/>
-          <a:lstStyle/>
-          <a:p>
-            <a:pPr marL="0" indent="0">
-              <a:buNone/>
-            </a:pPr>
-            <a:r>
-              <a:rPr lang="fr-FR" sz="2800" b="1" dirty="0"/>
-              <a:t>Fonction assurées :</a:t>
-            </a:r>
-          </a:p>
-          <a:p>
-            <a:pPr marL="0" indent="0">
-              <a:buNone/>
-            </a:pPr>
-            <a:endParaRPr lang="fr-FR" dirty="0"/>
-          </a:p>
-          <a:p>
-            <a:r>
-              <a:rPr lang="fr-FR" i="1" dirty="0"/>
-              <a:t>Lecture des badges HID depuis le PLC </a:t>
-            </a:r>
-            <a:endParaRPr lang="fr-FR" dirty="0"/>
-          </a:p>
-          <a:p>
-            <a:r>
-              <a:rPr lang="fr-FR" i="1" dirty="0"/>
-              <a:t>Commandes d’ouverture du portail </a:t>
-            </a:r>
-            <a:endParaRPr lang="fr-FR" dirty="0"/>
-          </a:p>
-          <a:p>
-            <a:r>
-              <a:rPr lang="fr-FR" i="1" dirty="0"/>
-              <a:t>Commande du voyant « parking plein » </a:t>
-            </a:r>
-            <a:endParaRPr lang="fr-FR" dirty="0"/>
-          </a:p>
-          <a:p>
-            <a:r>
-              <a:rPr lang="fr-FR" i="1" dirty="0"/>
-              <a:t>Communication avec le serveur d’application (taux d’occupation, identification utilisateurs) </a:t>
-            </a:r>
-          </a:p>
-          <a:p>
-            <a:r>
-              <a:rPr lang="fr-FR" dirty="0"/>
-              <a:t>Recherche sur le fonctionnement de la détection sans contact RFID 		</a:t>
-            </a:r>
-          </a:p>
-          <a:p>
-            <a:endParaRPr lang="fr-FR" dirty="0"/>
-          </a:p>
-        </p:txBody>
-      </p:sp>
-      <p:sp>
-        <p:nvSpPr>
-          <p:cNvPr id="4" name="ZoneTexte 3">
-            <a:extLst>
-              <a:ext uri="{FF2B5EF4-FFF2-40B4-BE49-F238E27FC236}">
-                <a16:creationId xmlns:a16="http://schemas.microsoft.com/office/drawing/2014/main" id="{A9F278A1-DB2F-4AC3-9936-FB98C5C6443E}"/>
+                <a16:creationId xmlns:a16="http://schemas.microsoft.com/office/drawing/2014/main" id="{5557533C-87B8-4D56-B040-200A43510534}"/>
               </a:ext>
             </a:extLst>
           </p:cNvPr>
@@ -13765,7 +13960,7 @@
         <p:spPr>
           <a:xfrm>
             <a:off x="161925" y="6434138"/>
-            <a:ext cx="1147763" cy="369332"/>
+            <a:ext cx="1414463" cy="369332"/>
           </a:xfrm>
           <a:prstGeom prst="rect">
             <a:avLst/>
@@ -13780,7 +13975,15 @@
           <a:p>
             <a:r>
               <a:rPr lang="fr-FR" dirty="0"/>
-              <a:t>Page 8/13</a:t>
+              <a:t>Page </a:t>
+            </a:r>
+            <a:fld id="{6B39D2C6-0BA6-4343-AE2F-D862A5E2D269}" type="slidenum">
+              <a:rPr lang="fr-FR" smtClean="0"/>
+              <a:t>8</a:t>
+            </a:fld>
+            <a:r>
+              <a:rPr lang="fr-FR" dirty="0"/>
+              <a:t>/X</a:t>
             </a:r>
           </a:p>
         </p:txBody>
@@ -13788,7 +13991,7 @@
     </p:spTree>
     <p:extLst>
       <p:ext uri="{BB962C8B-B14F-4D97-AF65-F5344CB8AC3E}">
-        <p14:creationId xmlns:p14="http://schemas.microsoft.com/office/powerpoint/2010/main" val="2791757882"/>
+        <p14:creationId xmlns:p14="http://schemas.microsoft.com/office/powerpoint/2010/main" val="768369196"/>
       </p:ext>
     </p:extLst>
   </p:cSld>
@@ -13871,9 +14074,7 @@
         </p:nvSpPr>
         <p:spPr/>
         <p:txBody>
-          <a:bodyPr>
-            <a:normAutofit fontScale="85000" lnSpcReduction="20000"/>
-          </a:bodyPr>
+          <a:bodyPr/>
           <a:lstStyle/>
           <a:p>
             <a:pPr marL="0" indent="0">
@@ -13881,87 +14082,59 @@
             </a:pPr>
             <a:r>
               <a:rPr lang="fr-FR" sz="2800" b="1" dirty="0"/>
-              <a:t>Taches à réaliser :</a:t>
-            </a:r>
+              <a:t>Fonction assurées :</a:t>
+            </a:r>
+          </a:p>
+          <a:p>
+            <a:pPr marL="0" indent="0">
+              <a:buNone/>
+            </a:pPr>
             <a:endParaRPr lang="fr-FR" dirty="0"/>
           </a:p>
           <a:p>
-            <a:pPr marL="0" indent="0">
-              <a:buNone/>
-            </a:pPr>
-            <a:r>
-              <a:rPr lang="fr-FR" u="sng" dirty="0"/>
-              <a:t>Installation :</a:t>
+            <a:r>
+              <a:rPr lang="fr-FR" i="1" dirty="0"/>
+              <a:t>Lecture des badges HID depuis le PLC </a:t>
+            </a:r>
+            <a:endParaRPr lang="fr-FR" dirty="0"/>
+          </a:p>
+          <a:p>
+            <a:r>
+              <a:rPr lang="fr-FR" i="1" dirty="0"/>
+              <a:t>Commandes d’ouverture du portail </a:t>
+            </a:r>
+            <a:endParaRPr lang="fr-FR" dirty="0"/>
+          </a:p>
+          <a:p>
+            <a:r>
+              <a:rPr lang="fr-FR" i="1" dirty="0"/>
+              <a:t>Commande du voyant « parking plein » </a:t>
+            </a:r>
+            <a:endParaRPr lang="fr-FR" dirty="0"/>
+          </a:p>
+          <a:p>
+            <a:r>
+              <a:rPr lang="fr-FR" i="1" dirty="0"/>
+              <a:t>Communication avec le serveur d’application (taux d’occupation, identification utilisateurs) </a:t>
             </a:r>
           </a:p>
           <a:p>
             <a:r>
               <a:rPr lang="fr-FR" dirty="0"/>
-              <a:t>Installation du PLC</a:t>
-            </a:r>
-          </a:p>
-          <a:p>
-            <a:r>
-              <a:rPr lang="fr-FR" dirty="0"/>
-              <a:t>Installation Bornes d’accès , voyant et actionneurs</a:t>
-            </a:r>
-          </a:p>
-          <a:p>
-            <a:r>
-              <a:rPr lang="fr-FR" dirty="0"/>
-              <a:t>Installation de l’OS du PLC</a:t>
-            </a:r>
-          </a:p>
-          <a:p>
-            <a:pPr marL="0" indent="0">
-              <a:buNone/>
-            </a:pPr>
-            <a:r>
-              <a:rPr lang="fr-FR" u="sng" dirty="0"/>
-              <a:t>Mise en places :</a:t>
-            </a:r>
-          </a:p>
-          <a:p>
-            <a:r>
-              <a:rPr lang="fr-FR" dirty="0"/>
-              <a:t>PLC</a:t>
-            </a:r>
-          </a:p>
-          <a:p>
-            <a:r>
-              <a:rPr lang="fr-FR" dirty="0"/>
-              <a:t>Lecteur de badges HID/RFID</a:t>
-            </a:r>
-          </a:p>
-          <a:p>
-            <a:r>
-              <a:rPr lang="fr-FR" dirty="0"/>
-              <a:t>Commande des Entrée sortie du PLC</a:t>
-            </a:r>
-          </a:p>
-          <a:p>
-            <a:pPr marL="0" indent="0">
-              <a:buNone/>
-            </a:pPr>
-            <a:r>
-              <a:rPr lang="fr-FR" u="sng" dirty="0"/>
-              <a:t>Configuration :</a:t>
-            </a:r>
-          </a:p>
-          <a:p>
-            <a:r>
-              <a:rPr lang="fr-FR" dirty="0"/>
-              <a:t>PLC</a:t>
-            </a:r>
-          </a:p>
-        </p:txBody>
-      </p:sp>
-      <p:sp>
-        <p:nvSpPr>
-          <p:cNvPr id="4" name="ZoneTexte 3">
+              <a:t>Recherche sur le fonctionnement de la détection sans contact RFID 		</a:t>
+            </a:r>
+          </a:p>
+          <a:p>
+            <a:endParaRPr lang="fr-FR" dirty="0"/>
+          </a:p>
+        </p:txBody>
+      </p:sp>
+      <p:sp>
+        <p:nvSpPr>
+          <p:cNvPr id="5" name="ZoneTexte 4">
             <a:extLst>
               <a:ext uri="{FF2B5EF4-FFF2-40B4-BE49-F238E27FC236}">
-                <a16:creationId xmlns:a16="http://schemas.microsoft.com/office/drawing/2014/main" id="{6BD64A1A-20B1-43F2-BB3F-93F40D77A4B3}"/>
+                <a16:creationId xmlns:a16="http://schemas.microsoft.com/office/drawing/2014/main" id="{09D3BCEC-67FC-4255-8D11-9153C95669D8}"/>
               </a:ext>
             </a:extLst>
           </p:cNvPr>
@@ -13971,7 +14144,7 @@
         <p:spPr>
           <a:xfrm>
             <a:off x="161925" y="6434138"/>
-            <a:ext cx="1090613" cy="646331"/>
+            <a:ext cx="1414463" cy="369332"/>
           </a:xfrm>
           <a:prstGeom prst="rect">
             <a:avLst/>
@@ -13986,7 +14159,15 @@
           <a:p>
             <a:r>
               <a:rPr lang="fr-FR" dirty="0"/>
-              <a:t>Page 9/13</a:t>
+              <a:t>Page </a:t>
+            </a:r>
+            <a:fld id="{6B39D2C6-0BA6-4343-AE2F-D862A5E2D269}" type="slidenum">
+              <a:rPr lang="fr-FR" smtClean="0"/>
+              <a:t>9</a:t>
+            </a:fld>
+            <a:r>
+              <a:rPr lang="fr-FR" dirty="0"/>
+              <a:t>/X</a:t>
             </a:r>
           </a:p>
         </p:txBody>
@@ -13994,7 +14175,7 @@
     </p:spTree>
     <p:extLst>
       <p:ext uri="{BB962C8B-B14F-4D97-AF65-F5344CB8AC3E}">
-        <p14:creationId xmlns:p14="http://schemas.microsoft.com/office/powerpoint/2010/main" val="869739142"/>
+        <p14:creationId xmlns:p14="http://schemas.microsoft.com/office/powerpoint/2010/main" val="2791757882"/>
       </p:ext>
     </p:extLst>
   </p:cSld>

--- a/Commun/Membres/Willy/Présentation revu de projet 2.pptx
+++ b/Commun/Membres/Willy/Présentation revu de projet 2.pptx
@@ -214,7 +214,7 @@
           <a:p>
             <a:fld id="{4F2A911A-B675-4EA2-A2BE-51EF6DA14C3B}" type="datetimeFigureOut">
               <a:rPr lang="fr-FR" smtClean="0"/>
-              <a:t>06/03/2020</a:t>
+              <a:t>07/03/2020</a:t>
             </a:fld>
             <a:endParaRPr lang="fr-FR"/>
           </a:p>
@@ -793,7 +793,7 @@
             <a:fld id="{B61BEF0D-F0BB-DE4B-95CE-6DB70DBA9567}" type="datetimeFigureOut">
               <a:rPr lang="en-US" dirty="0"/>
               <a:pPr/>
-              <a:t>3/6/2020</a:t>
+              <a:t>3/7/2020</a:t>
             </a:fld>
             <a:endParaRPr lang="en-US" dirty="0"/>
           </a:p>
@@ -1124,7 +1124,7 @@
             <a:fld id="{B61BEF0D-F0BB-DE4B-95CE-6DB70DBA9567}" type="datetimeFigureOut">
               <a:rPr lang="en-US" dirty="0"/>
               <a:pPr/>
-              <a:t>3/6/2020</a:t>
+              <a:t>3/7/2020</a:t>
             </a:fld>
             <a:endParaRPr lang="en-US" dirty="0"/>
           </a:p>
@@ -1403,7 +1403,7 @@
             <a:fld id="{B61BEF0D-F0BB-DE4B-95CE-6DB70DBA9567}" type="datetimeFigureOut">
               <a:rPr lang="en-US" dirty="0"/>
               <a:pPr/>
-              <a:t>3/6/2020</a:t>
+              <a:t>3/7/2020</a:t>
             </a:fld>
             <a:endParaRPr lang="en-US" dirty="0"/>
           </a:p>
@@ -1972,7 +1972,7 @@
             <a:fld id="{B61BEF0D-F0BB-DE4B-95CE-6DB70DBA9567}" type="datetimeFigureOut">
               <a:rPr lang="en-US" dirty="0"/>
               <a:pPr/>
-              <a:t>3/6/2020</a:t>
+              <a:t>3/7/2020</a:t>
             </a:fld>
             <a:endParaRPr lang="en-US" dirty="0"/>
           </a:p>
@@ -2251,7 +2251,7 @@
             <a:fld id="{B61BEF0D-F0BB-DE4B-95CE-6DB70DBA9567}" type="datetimeFigureOut">
               <a:rPr lang="en-US" dirty="0"/>
               <a:pPr/>
-              <a:t>3/6/2020</a:t>
+              <a:t>3/7/2020</a:t>
             </a:fld>
             <a:endParaRPr lang="en-US" dirty="0"/>
           </a:p>
@@ -2814,7 +2814,7 @@
             <a:fld id="{B61BEF0D-F0BB-DE4B-95CE-6DB70DBA9567}" type="datetimeFigureOut">
               <a:rPr lang="en-US" dirty="0"/>
               <a:pPr/>
-              <a:t>3/6/2020</a:t>
+              <a:t>3/7/2020</a:t>
             </a:fld>
             <a:endParaRPr lang="en-US" dirty="0"/>
           </a:p>
@@ -3142,7 +3142,7 @@
             <a:fld id="{B61BEF0D-F0BB-DE4B-95CE-6DB70DBA9567}" type="datetimeFigureOut">
               <a:rPr lang="en-US" dirty="0"/>
               <a:pPr/>
-              <a:t>3/6/2020</a:t>
+              <a:t>3/7/2020</a:t>
             </a:fld>
             <a:endParaRPr lang="en-US" dirty="0"/>
           </a:p>
@@ -3347,7 +3347,7 @@
             <a:fld id="{B61BEF0D-F0BB-DE4B-95CE-6DB70DBA9567}" type="datetimeFigureOut">
               <a:rPr lang="en-US" dirty="0"/>
               <a:pPr/>
-              <a:t>3/6/2020</a:t>
+              <a:t>3/7/2020</a:t>
             </a:fld>
             <a:endParaRPr lang="en-US" dirty="0"/>
           </a:p>
@@ -3557,7 +3557,7 @@
             <a:fld id="{B61BEF0D-F0BB-DE4B-95CE-6DB70DBA9567}" type="datetimeFigureOut">
               <a:rPr lang="en-US" dirty="0"/>
               <a:pPr/>
-              <a:t>3/6/2020</a:t>
+              <a:t>3/7/2020</a:t>
             </a:fld>
             <a:endParaRPr lang="en-US" dirty="0"/>
           </a:p>
@@ -3757,7 +3757,7 @@
             <a:fld id="{B61BEF0D-F0BB-DE4B-95CE-6DB70DBA9567}" type="datetimeFigureOut">
               <a:rPr lang="en-US" dirty="0"/>
               <a:pPr/>
-              <a:t>3/6/2020</a:t>
+              <a:t>3/7/2020</a:t>
             </a:fld>
             <a:endParaRPr lang="en-US" dirty="0"/>
           </a:p>
@@ -4034,7 +4034,7 @@
             <a:fld id="{B61BEF0D-F0BB-DE4B-95CE-6DB70DBA9567}" type="datetimeFigureOut">
               <a:rPr lang="en-US" dirty="0"/>
               <a:pPr/>
-              <a:t>3/6/2020</a:t>
+              <a:t>3/7/2020</a:t>
             </a:fld>
             <a:endParaRPr lang="en-US" dirty="0"/>
           </a:p>
@@ -4299,7 +4299,7 @@
             <a:fld id="{B61BEF0D-F0BB-DE4B-95CE-6DB70DBA9567}" type="datetimeFigureOut">
               <a:rPr lang="en-US" dirty="0"/>
               <a:pPr/>
-              <a:t>3/6/2020</a:t>
+              <a:t>3/7/2020</a:t>
             </a:fld>
             <a:endParaRPr lang="en-US" dirty="0"/>
           </a:p>
@@ -4672,7 +4672,7 @@
             <a:fld id="{B61BEF0D-F0BB-DE4B-95CE-6DB70DBA9567}" type="datetimeFigureOut">
               <a:rPr lang="en-US" dirty="0"/>
               <a:pPr/>
-              <a:t>3/6/2020</a:t>
+              <a:t>3/7/2020</a:t>
             </a:fld>
             <a:endParaRPr lang="en-US" dirty="0"/>
           </a:p>
@@ -4821,7 +4821,7 @@
             <a:fld id="{B61BEF0D-F0BB-DE4B-95CE-6DB70DBA9567}" type="datetimeFigureOut">
               <a:rPr lang="en-US" dirty="0"/>
               <a:pPr/>
-              <a:t>3/6/2020</a:t>
+              <a:t>3/7/2020</a:t>
             </a:fld>
             <a:endParaRPr lang="en-US" dirty="0"/>
           </a:p>
@@ -4948,7 +4948,7 @@
             <a:fld id="{B61BEF0D-F0BB-DE4B-95CE-6DB70DBA9567}" type="datetimeFigureOut">
               <a:rPr lang="en-US" dirty="0"/>
               <a:pPr/>
-              <a:t>3/6/2020</a:t>
+              <a:t>3/7/2020</a:t>
             </a:fld>
             <a:endParaRPr lang="en-US" dirty="0"/>
           </a:p>
@@ -5233,7 +5233,7 @@
             <a:fld id="{B61BEF0D-F0BB-DE4B-95CE-6DB70DBA9567}" type="datetimeFigureOut">
               <a:rPr lang="en-US" dirty="0"/>
               <a:pPr/>
-              <a:t>3/6/2020</a:t>
+              <a:t>3/7/2020</a:t>
             </a:fld>
             <a:endParaRPr lang="en-US" dirty="0"/>
           </a:p>
@@ -5554,7 +5554,7 @@
             <a:fld id="{B61BEF0D-F0BB-DE4B-95CE-6DB70DBA9567}" type="datetimeFigureOut">
               <a:rPr lang="en-US" dirty="0"/>
               <a:pPr/>
-              <a:t>3/6/2020</a:t>
+              <a:t>3/7/2020</a:t>
             </a:fld>
             <a:endParaRPr lang="en-US" dirty="0"/>
           </a:p>
@@ -5768,7 +5768,7 @@
             <a:fld id="{B61BEF0D-F0BB-DE4B-95CE-6DB70DBA9567}" type="datetimeFigureOut">
               <a:rPr lang="en-US" dirty="0"/>
               <a:pPr/>
-              <a:t>3/6/2020</a:t>
+              <a:t>3/7/2020</a:t>
             </a:fld>
             <a:endParaRPr lang="en-US" dirty="0"/>
           </a:p>

--- a/Commun/Membres/Willy/Présentation revu de projet 2.pptx
+++ b/Commun/Membres/Willy/Présentation revu de projet 2.pptx
@@ -5,7 +5,7 @@
     <p:sldMasterId id="2147483696" r:id="rId1"/>
   </p:sldMasterIdLst>
   <p:notesMasterIdLst>
-    <p:notesMasterId r:id="rId20"/>
+    <p:notesMasterId r:id="rId22"/>
   </p:notesMasterIdLst>
   <p:sldIdLst>
     <p:sldId id="262" r:id="rId2"/>
@@ -16,16 +16,18 @@
     <p:sldId id="257" r:id="rId7"/>
     <p:sldId id="272" r:id="rId8"/>
     <p:sldId id="271" r:id="rId9"/>
-    <p:sldId id="263" r:id="rId10"/>
-    <p:sldId id="267" r:id="rId11"/>
-    <p:sldId id="270" r:id="rId12"/>
-    <p:sldId id="273" r:id="rId13"/>
-    <p:sldId id="274" r:id="rId14"/>
-    <p:sldId id="275" r:id="rId15"/>
-    <p:sldId id="268" r:id="rId16"/>
-    <p:sldId id="269" r:id="rId17"/>
-    <p:sldId id="276" r:id="rId18"/>
-    <p:sldId id="266" r:id="rId19"/>
+    <p:sldId id="278" r:id="rId10"/>
+    <p:sldId id="263" r:id="rId11"/>
+    <p:sldId id="267" r:id="rId12"/>
+    <p:sldId id="270" r:id="rId13"/>
+    <p:sldId id="273" r:id="rId14"/>
+    <p:sldId id="274" r:id="rId15"/>
+    <p:sldId id="275" r:id="rId16"/>
+    <p:sldId id="268" r:id="rId17"/>
+    <p:sldId id="269" r:id="rId18"/>
+    <p:sldId id="277" r:id="rId19"/>
+    <p:sldId id="276" r:id="rId20"/>
+    <p:sldId id="266" r:id="rId21"/>
   </p:sldIdLst>
   <p:sldSz cx="12192000" cy="6858000"/>
   <p:notesSz cx="6858000" cy="9144000"/>
@@ -214,7 +216,7 @@
           <a:p>
             <a:fld id="{4F2A911A-B675-4EA2-A2BE-51EF6DA14C3B}" type="datetimeFigureOut">
               <a:rPr lang="fr-FR" smtClean="0"/>
-              <a:t>07/03/2020</a:t>
+              <a:t>10/03/2020</a:t>
             </a:fld>
             <a:endParaRPr lang="fr-FR"/>
           </a:p>
@@ -793,7 +795,7 @@
             <a:fld id="{B61BEF0D-F0BB-DE4B-95CE-6DB70DBA9567}" type="datetimeFigureOut">
               <a:rPr lang="en-US" dirty="0"/>
               <a:pPr/>
-              <a:t>3/7/2020</a:t>
+              <a:t>3/10/2020</a:t>
             </a:fld>
             <a:endParaRPr lang="en-US" dirty="0"/>
           </a:p>
@@ -1124,7 +1126,7 @@
             <a:fld id="{B61BEF0D-F0BB-DE4B-95CE-6DB70DBA9567}" type="datetimeFigureOut">
               <a:rPr lang="en-US" dirty="0"/>
               <a:pPr/>
-              <a:t>3/7/2020</a:t>
+              <a:t>3/10/2020</a:t>
             </a:fld>
             <a:endParaRPr lang="en-US" dirty="0"/>
           </a:p>
@@ -1403,7 +1405,7 @@
             <a:fld id="{B61BEF0D-F0BB-DE4B-95CE-6DB70DBA9567}" type="datetimeFigureOut">
               <a:rPr lang="en-US" dirty="0"/>
               <a:pPr/>
-              <a:t>3/7/2020</a:t>
+              <a:t>3/10/2020</a:t>
             </a:fld>
             <a:endParaRPr lang="en-US" dirty="0"/>
           </a:p>
@@ -1972,7 +1974,7 @@
             <a:fld id="{B61BEF0D-F0BB-DE4B-95CE-6DB70DBA9567}" type="datetimeFigureOut">
               <a:rPr lang="en-US" dirty="0"/>
               <a:pPr/>
-              <a:t>3/7/2020</a:t>
+              <a:t>3/10/2020</a:t>
             </a:fld>
             <a:endParaRPr lang="en-US" dirty="0"/>
           </a:p>
@@ -2251,7 +2253,7 @@
             <a:fld id="{B61BEF0D-F0BB-DE4B-95CE-6DB70DBA9567}" type="datetimeFigureOut">
               <a:rPr lang="en-US" dirty="0"/>
               <a:pPr/>
-              <a:t>3/7/2020</a:t>
+              <a:t>3/10/2020</a:t>
             </a:fld>
             <a:endParaRPr lang="en-US" dirty="0"/>
           </a:p>
@@ -2814,7 +2816,7 @@
             <a:fld id="{B61BEF0D-F0BB-DE4B-95CE-6DB70DBA9567}" type="datetimeFigureOut">
               <a:rPr lang="en-US" dirty="0"/>
               <a:pPr/>
-              <a:t>3/7/2020</a:t>
+              <a:t>3/10/2020</a:t>
             </a:fld>
             <a:endParaRPr lang="en-US" dirty="0"/>
           </a:p>
@@ -3142,7 +3144,7 @@
             <a:fld id="{B61BEF0D-F0BB-DE4B-95CE-6DB70DBA9567}" type="datetimeFigureOut">
               <a:rPr lang="en-US" dirty="0"/>
               <a:pPr/>
-              <a:t>3/7/2020</a:t>
+              <a:t>3/10/2020</a:t>
             </a:fld>
             <a:endParaRPr lang="en-US" dirty="0"/>
           </a:p>
@@ -3347,7 +3349,7 @@
             <a:fld id="{B61BEF0D-F0BB-DE4B-95CE-6DB70DBA9567}" type="datetimeFigureOut">
               <a:rPr lang="en-US" dirty="0"/>
               <a:pPr/>
-              <a:t>3/7/2020</a:t>
+              <a:t>3/10/2020</a:t>
             </a:fld>
             <a:endParaRPr lang="en-US" dirty="0"/>
           </a:p>
@@ -3557,7 +3559,7 @@
             <a:fld id="{B61BEF0D-F0BB-DE4B-95CE-6DB70DBA9567}" type="datetimeFigureOut">
               <a:rPr lang="en-US" dirty="0"/>
               <a:pPr/>
-              <a:t>3/7/2020</a:t>
+              <a:t>3/10/2020</a:t>
             </a:fld>
             <a:endParaRPr lang="en-US" dirty="0"/>
           </a:p>
@@ -3757,7 +3759,7 @@
             <a:fld id="{B61BEF0D-F0BB-DE4B-95CE-6DB70DBA9567}" type="datetimeFigureOut">
               <a:rPr lang="en-US" dirty="0"/>
               <a:pPr/>
-              <a:t>3/7/2020</a:t>
+              <a:t>3/10/2020</a:t>
             </a:fld>
             <a:endParaRPr lang="en-US" dirty="0"/>
           </a:p>
@@ -4034,7 +4036,7 @@
             <a:fld id="{B61BEF0D-F0BB-DE4B-95CE-6DB70DBA9567}" type="datetimeFigureOut">
               <a:rPr lang="en-US" dirty="0"/>
               <a:pPr/>
-              <a:t>3/7/2020</a:t>
+              <a:t>3/10/2020</a:t>
             </a:fld>
             <a:endParaRPr lang="en-US" dirty="0"/>
           </a:p>
@@ -4299,7 +4301,7 @@
             <a:fld id="{B61BEF0D-F0BB-DE4B-95CE-6DB70DBA9567}" type="datetimeFigureOut">
               <a:rPr lang="en-US" dirty="0"/>
               <a:pPr/>
-              <a:t>3/7/2020</a:t>
+              <a:t>3/10/2020</a:t>
             </a:fld>
             <a:endParaRPr lang="en-US" dirty="0"/>
           </a:p>
@@ -4672,7 +4674,7 @@
             <a:fld id="{B61BEF0D-F0BB-DE4B-95CE-6DB70DBA9567}" type="datetimeFigureOut">
               <a:rPr lang="en-US" dirty="0"/>
               <a:pPr/>
-              <a:t>3/7/2020</a:t>
+              <a:t>3/10/2020</a:t>
             </a:fld>
             <a:endParaRPr lang="en-US" dirty="0"/>
           </a:p>
@@ -4821,7 +4823,7 @@
             <a:fld id="{B61BEF0D-F0BB-DE4B-95CE-6DB70DBA9567}" type="datetimeFigureOut">
               <a:rPr lang="en-US" dirty="0"/>
               <a:pPr/>
-              <a:t>3/7/2020</a:t>
+              <a:t>3/10/2020</a:t>
             </a:fld>
             <a:endParaRPr lang="en-US" dirty="0"/>
           </a:p>
@@ -4948,7 +4950,7 @@
             <a:fld id="{B61BEF0D-F0BB-DE4B-95CE-6DB70DBA9567}" type="datetimeFigureOut">
               <a:rPr lang="en-US" dirty="0"/>
               <a:pPr/>
-              <a:t>3/7/2020</a:t>
+              <a:t>3/10/2020</a:t>
             </a:fld>
             <a:endParaRPr lang="en-US" dirty="0"/>
           </a:p>
@@ -5233,7 +5235,7 @@
             <a:fld id="{B61BEF0D-F0BB-DE4B-95CE-6DB70DBA9567}" type="datetimeFigureOut">
               <a:rPr lang="en-US" dirty="0"/>
               <a:pPr/>
-              <a:t>3/7/2020</a:t>
+              <a:t>3/10/2020</a:t>
             </a:fld>
             <a:endParaRPr lang="en-US" dirty="0"/>
           </a:p>
@@ -5554,7 +5556,7 @@
             <a:fld id="{B61BEF0D-F0BB-DE4B-95CE-6DB70DBA9567}" type="datetimeFigureOut">
               <a:rPr lang="en-US" dirty="0"/>
               <a:pPr/>
-              <a:t>3/7/2020</a:t>
+              <a:t>3/10/2020</a:t>
             </a:fld>
             <a:endParaRPr lang="en-US" dirty="0"/>
           </a:p>
@@ -5768,7 +5770,7 @@
             <a:fld id="{B61BEF0D-F0BB-DE4B-95CE-6DB70DBA9567}" type="datetimeFigureOut">
               <a:rPr lang="en-US" dirty="0"/>
               <a:pPr/>
-              <a:t>3/7/2020</a:t>
+              <a:t>3/10/2020</a:t>
             </a:fld>
             <a:endParaRPr lang="en-US" dirty="0"/>
           </a:p>
@@ -7543,9 +7545,7 @@
         </p:nvSpPr>
         <p:spPr/>
         <p:txBody>
-          <a:bodyPr>
-            <a:normAutofit fontScale="85000" lnSpcReduction="20000"/>
-          </a:bodyPr>
+          <a:bodyPr/>
           <a:lstStyle/>
           <a:p>
             <a:pPr marL="0" indent="0">
@@ -7553,78 +7553,50 @@
             </a:pPr>
             <a:r>
               <a:rPr lang="fr-FR" sz="2800" b="1" dirty="0"/>
-              <a:t>Taches à réaliser :</a:t>
-            </a:r>
+              <a:t>Fonction assurées :</a:t>
+            </a:r>
+          </a:p>
+          <a:p>
+            <a:pPr marL="0" indent="0">
+              <a:buNone/>
+            </a:pPr>
             <a:endParaRPr lang="fr-FR" dirty="0"/>
           </a:p>
           <a:p>
-            <a:pPr marL="0" indent="0">
-              <a:buNone/>
-            </a:pPr>
-            <a:r>
-              <a:rPr lang="fr-FR" u="sng" dirty="0"/>
-              <a:t>Installation :</a:t>
+            <a:r>
+              <a:rPr lang="fr-FR" i="1" dirty="0"/>
+              <a:t>Lecture des badges HID depuis le PLC </a:t>
+            </a:r>
+            <a:endParaRPr lang="fr-FR" dirty="0"/>
+          </a:p>
+          <a:p>
+            <a:r>
+              <a:rPr lang="fr-FR" i="1" dirty="0"/>
+              <a:t>Commandes d’ouverture du portail </a:t>
+            </a:r>
+            <a:endParaRPr lang="fr-FR" dirty="0"/>
+          </a:p>
+          <a:p>
+            <a:r>
+              <a:rPr lang="fr-FR" i="1" dirty="0"/>
+              <a:t>Commande du voyant « parking plein » </a:t>
+            </a:r>
+            <a:endParaRPr lang="fr-FR" dirty="0"/>
+          </a:p>
+          <a:p>
+            <a:r>
+              <a:rPr lang="fr-FR" i="1" dirty="0"/>
+              <a:t>Communication avec le serveur d’application (taux d’occupation, identification utilisateurs) </a:t>
             </a:r>
           </a:p>
           <a:p>
             <a:r>
               <a:rPr lang="fr-FR" dirty="0"/>
-              <a:t>Installation du PLC</a:t>
-            </a:r>
-          </a:p>
-          <a:p>
-            <a:r>
-              <a:rPr lang="fr-FR" dirty="0"/>
-              <a:t>Installation Bornes d’accès , voyant et actionneurs</a:t>
-            </a:r>
-          </a:p>
-          <a:p>
-            <a:r>
-              <a:rPr lang="fr-FR" dirty="0"/>
-              <a:t>Installation de l’OS du PLC</a:t>
-            </a:r>
-          </a:p>
-          <a:p>
-            <a:pPr marL="0" indent="0">
-              <a:buNone/>
-            </a:pPr>
-            <a:r>
-              <a:rPr lang="fr-FR" u="sng" dirty="0"/>
-              <a:t>Mise en places :</a:t>
-            </a:r>
-          </a:p>
-          <a:p>
-            <a:r>
-              <a:rPr lang="fr-FR" dirty="0"/>
-              <a:t>PLC</a:t>
-            </a:r>
-          </a:p>
-          <a:p>
-            <a:r>
-              <a:rPr lang="fr-FR" dirty="0"/>
-              <a:t>Lecteur de badges HID/RFID</a:t>
-            </a:r>
-          </a:p>
-          <a:p>
-            <a:r>
-              <a:rPr lang="fr-FR" dirty="0"/>
-              <a:t>Commande des Entrée sortie du PLC</a:t>
-            </a:r>
-          </a:p>
-          <a:p>
-            <a:pPr marL="0" indent="0">
-              <a:buNone/>
-            </a:pPr>
-            <a:r>
-              <a:rPr lang="fr-FR" u="sng" dirty="0"/>
-              <a:t>Configuration :</a:t>
-            </a:r>
-          </a:p>
-          <a:p>
-            <a:r>
-              <a:rPr lang="fr-FR" dirty="0"/>
-              <a:t>PLC</a:t>
-            </a:r>
+              <a:t>Recherche sur le fonctionnement de la détection sans contact RFID 		</a:t>
+            </a:r>
+          </a:p>
+          <a:p>
+            <a:endParaRPr lang="fr-FR" dirty="0"/>
           </a:p>
         </p:txBody>
       </p:sp>
@@ -7633,7 +7605,7 @@
           <p:cNvPr id="5" name="ZoneTexte 4">
             <a:extLst>
               <a:ext uri="{FF2B5EF4-FFF2-40B4-BE49-F238E27FC236}">
-                <a16:creationId xmlns:a16="http://schemas.microsoft.com/office/drawing/2014/main" id="{DB670BAA-80BA-4ED1-9AF3-D88B24A9B887}"/>
+                <a16:creationId xmlns:a16="http://schemas.microsoft.com/office/drawing/2014/main" id="{09D3BCEC-67FC-4255-8D11-9153C95669D8}"/>
               </a:ext>
             </a:extLst>
           </p:cNvPr>
@@ -7674,7 +7646,7 @@
     </p:spTree>
     <p:extLst>
       <p:ext uri="{BB962C8B-B14F-4D97-AF65-F5344CB8AC3E}">
-        <p14:creationId xmlns:p14="http://schemas.microsoft.com/office/powerpoint/2010/main" val="869739142"/>
+        <p14:creationId xmlns:p14="http://schemas.microsoft.com/office/powerpoint/2010/main" val="2791757882"/>
       </p:ext>
     </p:extLst>
   </p:cSld>
@@ -7703,10 +7675,10 @@
       </p:grpSpPr>
       <p:sp>
         <p:nvSpPr>
-          <p:cNvPr id="5" name="Titre 1">
+          <p:cNvPr id="2" name="Titre 1">
             <a:extLst>
               <a:ext uri="{FF2B5EF4-FFF2-40B4-BE49-F238E27FC236}">
-                <a16:creationId xmlns:a16="http://schemas.microsoft.com/office/drawing/2014/main" id="{918399C5-85DB-4D16-ACC0-ECE2CC221515}"/>
+                <a16:creationId xmlns:a16="http://schemas.microsoft.com/office/drawing/2014/main" id="{C92BAFFE-F692-4089-8C82-9D869922FCB0}"/>
               </a:ext>
             </a:extLst>
           </p:cNvPr>
@@ -7717,21 +7689,16 @@
             <p:ph type="title"/>
           </p:nvPr>
         </p:nvSpPr>
-        <p:spPr>
-          <a:xfrm>
-            <a:off x="685801" y="609600"/>
-            <a:ext cx="4772607" cy="1456267"/>
-          </a:xfrm>
-        </p:spPr>
+        <p:spPr/>
         <p:txBody>
           <a:bodyPr>
-            <a:normAutofit/>
+            <a:normAutofit fontScale="90000"/>
           </a:bodyPr>
           <a:lstStyle/>
           <a:p>
             <a:r>
               <a:rPr lang="fr-FR" b="1" dirty="0"/>
-              <a:t>Connection à la BDD</a:t>
+              <a:t>Développement de l’automate de gestion d’accès au parking (sur PLC Raspberry) </a:t>
             </a:r>
             <a:r>
               <a:rPr lang="fr-FR" dirty="0"/>
@@ -7746,10 +7713,113 @@
       </p:sp>
       <p:sp>
         <p:nvSpPr>
-          <p:cNvPr id="6" name="ZoneTexte 5">
+          <p:cNvPr id="3" name="Espace réservé du contenu 2">
             <a:extLst>
               <a:ext uri="{FF2B5EF4-FFF2-40B4-BE49-F238E27FC236}">
-                <a16:creationId xmlns:a16="http://schemas.microsoft.com/office/drawing/2014/main" id="{6809E679-28BF-44DE-AC04-816D036D7D9D}"/>
+                <a16:creationId xmlns:a16="http://schemas.microsoft.com/office/drawing/2014/main" id="{EE9053B4-ACD2-4137-9392-6A9122D3CA99}"/>
+              </a:ext>
+            </a:extLst>
+          </p:cNvPr>
+          <p:cNvSpPr>
+            <a:spLocks noGrp="1"/>
+          </p:cNvSpPr>
+          <p:nvPr>
+            <p:ph idx="1"/>
+          </p:nvPr>
+        </p:nvSpPr>
+        <p:spPr/>
+        <p:txBody>
+          <a:bodyPr>
+            <a:normAutofit fontScale="85000" lnSpcReduction="20000"/>
+          </a:bodyPr>
+          <a:lstStyle/>
+          <a:p>
+            <a:pPr marL="0" indent="0">
+              <a:buNone/>
+            </a:pPr>
+            <a:r>
+              <a:rPr lang="fr-FR" sz="2800" b="1" dirty="0"/>
+              <a:t>Taches à réaliser :</a:t>
+            </a:r>
+            <a:endParaRPr lang="fr-FR" dirty="0"/>
+          </a:p>
+          <a:p>
+            <a:pPr marL="0" indent="0">
+              <a:buNone/>
+            </a:pPr>
+            <a:r>
+              <a:rPr lang="fr-FR" u="sng" dirty="0"/>
+              <a:t>Installation :</a:t>
+            </a:r>
+          </a:p>
+          <a:p>
+            <a:r>
+              <a:rPr lang="fr-FR" dirty="0"/>
+              <a:t>Installation du PLC</a:t>
+            </a:r>
+          </a:p>
+          <a:p>
+            <a:r>
+              <a:rPr lang="fr-FR" dirty="0"/>
+              <a:t>Installation Bornes d’accès , voyant et actionneurs</a:t>
+            </a:r>
+          </a:p>
+          <a:p>
+            <a:r>
+              <a:rPr lang="fr-FR" dirty="0"/>
+              <a:t>Installation de l’OS du PLC</a:t>
+            </a:r>
+          </a:p>
+          <a:p>
+            <a:pPr marL="0" indent="0">
+              <a:buNone/>
+            </a:pPr>
+            <a:r>
+              <a:rPr lang="fr-FR" u="sng" dirty="0"/>
+              <a:t>Mise en places :</a:t>
+            </a:r>
+          </a:p>
+          <a:p>
+            <a:r>
+              <a:rPr lang="fr-FR" dirty="0"/>
+              <a:t>PLC</a:t>
+            </a:r>
+          </a:p>
+          <a:p>
+            <a:r>
+              <a:rPr lang="fr-FR" dirty="0"/>
+              <a:t>Lecteur de badges HID/RFID</a:t>
+            </a:r>
+          </a:p>
+          <a:p>
+            <a:r>
+              <a:rPr lang="fr-FR" dirty="0"/>
+              <a:t>Commande des Entrée sortie du PLC</a:t>
+            </a:r>
+          </a:p>
+          <a:p>
+            <a:pPr marL="0" indent="0">
+              <a:buNone/>
+            </a:pPr>
+            <a:r>
+              <a:rPr lang="fr-FR" u="sng" dirty="0"/>
+              <a:t>Configuration :</a:t>
+            </a:r>
+          </a:p>
+          <a:p>
+            <a:r>
+              <a:rPr lang="fr-FR" dirty="0"/>
+              <a:t>PLC</a:t>
+            </a:r>
+          </a:p>
+        </p:txBody>
+      </p:sp>
+      <p:sp>
+        <p:nvSpPr>
+          <p:cNvPr id="5" name="ZoneTexte 4">
+            <a:extLst>
+              <a:ext uri="{FF2B5EF4-FFF2-40B4-BE49-F238E27FC236}">
+                <a16:creationId xmlns:a16="http://schemas.microsoft.com/office/drawing/2014/main" id="{DB670BAA-80BA-4ED1-9AF3-D88B24A9B887}"/>
               </a:ext>
             </a:extLst>
           </p:cNvPr>
@@ -7787,40 +7857,10 @@
           </a:p>
         </p:txBody>
       </p:sp>
-      <p:pic>
-        <p:nvPicPr>
-          <p:cNvPr id="2" name="Image 1">
-            <a:extLst>
-              <a:ext uri="{FF2B5EF4-FFF2-40B4-BE49-F238E27FC236}">
-                <a16:creationId xmlns:a16="http://schemas.microsoft.com/office/drawing/2014/main" id="{876183FE-AE7C-455D-A5B3-6DEDE6E46D39}"/>
-              </a:ext>
-            </a:extLst>
-          </p:cNvPr>
-          <p:cNvPicPr>
-            <a:picLocks noChangeAspect="1"/>
-          </p:cNvPicPr>
-          <p:nvPr/>
-        </p:nvPicPr>
-        <p:blipFill>
-          <a:blip r:embed="rId2"/>
-          <a:stretch>
-            <a:fillRect/>
-          </a:stretch>
-        </p:blipFill>
-        <p:spPr>
-          <a:xfrm>
-            <a:off x="251926" y="1394981"/>
-            <a:ext cx="7514428" cy="5039157"/>
-          </a:xfrm>
-          <a:prstGeom prst="rect">
-            <a:avLst/>
-          </a:prstGeom>
-        </p:spPr>
-      </p:pic>
     </p:spTree>
     <p:extLst>
       <p:ext uri="{BB962C8B-B14F-4D97-AF65-F5344CB8AC3E}">
-        <p14:creationId xmlns:p14="http://schemas.microsoft.com/office/powerpoint/2010/main" val="2917944477"/>
+        <p14:creationId xmlns:p14="http://schemas.microsoft.com/office/powerpoint/2010/main" val="869739142"/>
       </p:ext>
     </p:extLst>
   </p:cSld>
@@ -7866,7 +7906,7 @@
         <p:spPr>
           <a:xfrm>
             <a:off x="685801" y="609600"/>
-            <a:ext cx="10131425" cy="1456267"/>
+            <a:ext cx="4772607" cy="1456267"/>
           </a:xfrm>
         </p:spPr>
         <p:txBody>
@@ -7877,7 +7917,7 @@
           <a:p>
             <a:r>
               <a:rPr lang="fr-FR" b="1" dirty="0"/>
-              <a:t>Lecture d’un badge</a:t>
+              <a:t>Connection à la BDD</a:t>
             </a:r>
             <a:r>
               <a:rPr lang="fr-FR" dirty="0"/>
@@ -7895,7 +7935,7 @@
           <p:cNvPr id="6" name="ZoneTexte 5">
             <a:extLst>
               <a:ext uri="{FF2B5EF4-FFF2-40B4-BE49-F238E27FC236}">
-                <a16:creationId xmlns:a16="http://schemas.microsoft.com/office/drawing/2014/main" id="{75B700C1-6986-421C-BA5F-0AB1C0E7D4B4}"/>
+                <a16:creationId xmlns:a16="http://schemas.microsoft.com/office/drawing/2014/main" id="{6809E679-28BF-44DE-AC04-816D036D7D9D}"/>
               </a:ext>
             </a:extLst>
           </p:cNvPr>
@@ -7925,6 +7965,152 @@
             <a:fld id="{6B39D2C6-0BA6-4343-AE2F-D862A5E2D269}" type="slidenum">
               <a:rPr lang="fr-FR" smtClean="0"/>
               <a:t>12</a:t>
+            </a:fld>
+            <a:r>
+              <a:rPr lang="fr-FR" dirty="0"/>
+              <a:t>/X</a:t>
+            </a:r>
+          </a:p>
+        </p:txBody>
+      </p:sp>
+      <p:pic>
+        <p:nvPicPr>
+          <p:cNvPr id="2" name="Image 1">
+            <a:extLst>
+              <a:ext uri="{FF2B5EF4-FFF2-40B4-BE49-F238E27FC236}">
+                <a16:creationId xmlns:a16="http://schemas.microsoft.com/office/drawing/2014/main" id="{876183FE-AE7C-455D-A5B3-6DEDE6E46D39}"/>
+              </a:ext>
+            </a:extLst>
+          </p:cNvPr>
+          <p:cNvPicPr>
+            <a:picLocks noChangeAspect="1"/>
+          </p:cNvPicPr>
+          <p:nvPr/>
+        </p:nvPicPr>
+        <p:blipFill>
+          <a:blip r:embed="rId2"/>
+          <a:stretch>
+            <a:fillRect/>
+          </a:stretch>
+        </p:blipFill>
+        <p:spPr>
+          <a:xfrm>
+            <a:off x="562644" y="1394981"/>
+            <a:ext cx="7514428" cy="5039157"/>
+          </a:xfrm>
+          <a:prstGeom prst="rect">
+            <a:avLst/>
+          </a:prstGeom>
+        </p:spPr>
+      </p:pic>
+    </p:spTree>
+    <p:extLst>
+      <p:ext uri="{BB962C8B-B14F-4D97-AF65-F5344CB8AC3E}">
+        <p14:creationId xmlns:p14="http://schemas.microsoft.com/office/powerpoint/2010/main" val="2917944477"/>
+      </p:ext>
+    </p:extLst>
+  </p:cSld>
+  <p:clrMapOvr>
+    <a:masterClrMapping/>
+  </p:clrMapOvr>
+</p:sld>
+</file>
+
+<file path=ppt/slides/slide13.xml><?xml version="1.0" encoding="utf-8"?>
+<p:sld xmlns:a="http://schemas.openxmlformats.org/drawingml/2006/main" xmlns:r="http://schemas.openxmlformats.org/officeDocument/2006/relationships" xmlns:p="http://schemas.openxmlformats.org/presentationml/2006/main">
+  <p:cSld>
+    <p:spTree>
+      <p:nvGrpSpPr>
+        <p:cNvPr id="1" name=""/>
+        <p:cNvGrpSpPr/>
+        <p:nvPr/>
+      </p:nvGrpSpPr>
+      <p:grpSpPr>
+        <a:xfrm>
+          <a:off x="0" y="0"/>
+          <a:ext cx="0" cy="0"/>
+          <a:chOff x="0" y="0"/>
+          <a:chExt cx="0" cy="0"/>
+        </a:xfrm>
+      </p:grpSpPr>
+      <p:sp>
+        <p:nvSpPr>
+          <p:cNvPr id="5" name="Titre 1">
+            <a:extLst>
+              <a:ext uri="{FF2B5EF4-FFF2-40B4-BE49-F238E27FC236}">
+                <a16:creationId xmlns:a16="http://schemas.microsoft.com/office/drawing/2014/main" id="{918399C5-85DB-4D16-ACC0-ECE2CC221515}"/>
+              </a:ext>
+            </a:extLst>
+          </p:cNvPr>
+          <p:cNvSpPr>
+            <a:spLocks noGrp="1"/>
+          </p:cNvSpPr>
+          <p:nvPr>
+            <p:ph type="title"/>
+          </p:nvPr>
+        </p:nvSpPr>
+        <p:spPr>
+          <a:xfrm>
+            <a:off x="685801" y="609600"/>
+            <a:ext cx="10131425" cy="1456267"/>
+          </a:xfrm>
+        </p:spPr>
+        <p:txBody>
+          <a:bodyPr>
+            <a:normAutofit/>
+          </a:bodyPr>
+          <a:lstStyle/>
+          <a:p>
+            <a:r>
+              <a:rPr lang="fr-FR" b="1" dirty="0"/>
+              <a:t>Lecture d’un badge</a:t>
+            </a:r>
+            <a:r>
+              <a:rPr lang="fr-FR" dirty="0"/>
+              <a:t>	</a:t>
+            </a:r>
+            <a:br>
+              <a:rPr lang="fr-FR" dirty="0"/>
+            </a:br>
+            <a:endParaRPr lang="fr-FR" dirty="0"/>
+          </a:p>
+        </p:txBody>
+      </p:sp>
+      <p:sp>
+        <p:nvSpPr>
+          <p:cNvPr id="6" name="ZoneTexte 5">
+            <a:extLst>
+              <a:ext uri="{FF2B5EF4-FFF2-40B4-BE49-F238E27FC236}">
+                <a16:creationId xmlns:a16="http://schemas.microsoft.com/office/drawing/2014/main" id="{75B700C1-6986-421C-BA5F-0AB1C0E7D4B4}"/>
+              </a:ext>
+            </a:extLst>
+          </p:cNvPr>
+          <p:cNvSpPr txBox="1"/>
+          <p:nvPr/>
+        </p:nvSpPr>
+        <p:spPr>
+          <a:xfrm>
+            <a:off x="161925" y="6434138"/>
+            <a:ext cx="1414463" cy="369332"/>
+          </a:xfrm>
+          <a:prstGeom prst="rect">
+            <a:avLst/>
+          </a:prstGeom>
+          <a:noFill/>
+        </p:spPr>
+        <p:txBody>
+          <a:bodyPr wrap="square" rtlCol="0">
+            <a:spAutoFit/>
+          </a:bodyPr>
+          <a:lstStyle/>
+          <a:p>
+            <a:r>
+              <a:rPr lang="fr-FR" dirty="0"/>
+              <a:t>Page </a:t>
+            </a:r>
+            <a:fld id="{6B39D2C6-0BA6-4343-AE2F-D862A5E2D269}" type="slidenum">
+              <a:rPr lang="fr-FR" smtClean="0"/>
+              <a:t>13</a:t>
             </a:fld>
             <a:r>
               <a:rPr lang="fr-FR" dirty="0"/>
@@ -7976,7 +8162,7 @@
 </p:sld>
 </file>
 
-<file path=ppt/slides/slide13.xml><?xml version="1.0" encoding="utf-8"?>
+<file path=ppt/slides/slide14.xml><?xml version="1.0" encoding="utf-8"?>
 <p:sld xmlns:a="http://schemas.openxmlformats.org/drawingml/2006/main" xmlns:r="http://schemas.openxmlformats.org/officeDocument/2006/relationships" xmlns:p="http://schemas.openxmlformats.org/presentationml/2006/main">
   <p:cSld>
     <p:spTree>
@@ -8070,7 +8256,7 @@
             </a:r>
             <a:fld id="{6B39D2C6-0BA6-4343-AE2F-D862A5E2D269}" type="slidenum">
               <a:rPr lang="fr-FR" smtClean="0"/>
-              <a:t>13</a:t>
+              <a:t>14</a:t>
             </a:fld>
             <a:r>
               <a:rPr lang="fr-FR" dirty="0"/>
@@ -8122,7 +8308,7 @@
 </p:sld>
 </file>
 
-<file path=ppt/slides/slide14.xml><?xml version="1.0" encoding="utf-8"?>
+<file path=ppt/slides/slide15.xml><?xml version="1.0" encoding="utf-8"?>
 <p:sld xmlns:a="http://schemas.openxmlformats.org/drawingml/2006/main" xmlns:r="http://schemas.openxmlformats.org/officeDocument/2006/relationships" xmlns:p="http://schemas.openxmlformats.org/presentationml/2006/main">
   <p:cSld>
     <p:spTree>
@@ -8216,7 +8402,7 @@
             </a:r>
             <a:fld id="{6B39D2C6-0BA6-4343-AE2F-D862A5E2D269}" type="slidenum">
               <a:rPr lang="fr-FR" smtClean="0"/>
-              <a:t>14</a:t>
+              <a:t>15</a:t>
             </a:fld>
             <a:r>
               <a:rPr lang="fr-FR" dirty="0"/>
@@ -8268,7 +8454,7 @@
 </p:sld>
 </file>
 
-<file path=ppt/slides/slide15.xml><?xml version="1.0" encoding="utf-8"?>
+<file path=ppt/slides/slide16.xml><?xml version="1.0" encoding="utf-8"?>
 <p:sld xmlns:a="http://schemas.openxmlformats.org/drawingml/2006/main" xmlns:r="http://schemas.openxmlformats.org/officeDocument/2006/relationships" xmlns:p="http://schemas.openxmlformats.org/presentationml/2006/main">
   <p:cSld>
     <p:spTree>
@@ -8508,7 +8694,7 @@
             </a:r>
             <a:fld id="{6B39D2C6-0BA6-4343-AE2F-D862A5E2D269}" type="slidenum">
               <a:rPr lang="fr-FR" smtClean="0"/>
-              <a:t>15</a:t>
+              <a:t>16</a:t>
             </a:fld>
             <a:r>
               <a:rPr lang="fr-FR" dirty="0"/>
@@ -8530,7 +8716,7 @@
 </p:sld>
 </file>
 
-<file path=ppt/slides/slide16.xml><?xml version="1.0" encoding="utf-8"?>
+<file path=ppt/slides/slide17.xml><?xml version="1.0" encoding="utf-8"?>
 <p:sld xmlns:a="http://schemas.openxmlformats.org/drawingml/2006/main" xmlns:r="http://schemas.openxmlformats.org/officeDocument/2006/relationships" xmlns:p="http://schemas.openxmlformats.org/presentationml/2006/main">
   <p:cSld>
     <p:spTree>
@@ -9111,7 +9297,7 @@
             </a:r>
             <a:fld id="{6B39D2C6-0BA6-4343-AE2F-D862A5E2D269}" type="slidenum">
               <a:rPr lang="fr-FR" smtClean="0"/>
-              <a:t>16</a:t>
+              <a:t>17</a:t>
             </a:fld>
             <a:r>
               <a:rPr lang="fr-FR" dirty="0"/>
@@ -9133,7 +9319,171 @@
 </p:sld>
 </file>
 
-<file path=ppt/slides/slide17.xml><?xml version="1.0" encoding="utf-8"?>
+<file path=ppt/slides/slide18.xml><?xml version="1.0" encoding="utf-8"?>
+<p:sld xmlns:a="http://schemas.openxmlformats.org/drawingml/2006/main" xmlns:r="http://schemas.openxmlformats.org/officeDocument/2006/relationships" xmlns:p="http://schemas.openxmlformats.org/presentationml/2006/main">
+  <p:cSld>
+    <p:spTree>
+      <p:nvGrpSpPr>
+        <p:cNvPr id="1" name=""/>
+        <p:cNvGrpSpPr/>
+        <p:nvPr/>
+      </p:nvGrpSpPr>
+      <p:grpSpPr>
+        <a:xfrm>
+          <a:off x="0" y="0"/>
+          <a:ext cx="0" cy="0"/>
+          <a:chOff x="0" y="0"/>
+          <a:chExt cx="0" cy="0"/>
+        </a:xfrm>
+      </p:grpSpPr>
+      <p:sp>
+        <p:nvSpPr>
+          <p:cNvPr id="6" name="Titre 1">
+            <a:extLst>
+              <a:ext uri="{FF2B5EF4-FFF2-40B4-BE49-F238E27FC236}">
+                <a16:creationId xmlns:a16="http://schemas.microsoft.com/office/drawing/2014/main" id="{9013B8C4-2EEA-4CA8-8B15-A1FC603A8AAC}"/>
+              </a:ext>
+            </a:extLst>
+          </p:cNvPr>
+          <p:cNvSpPr>
+            <a:spLocks noGrp="1"/>
+          </p:cNvSpPr>
+          <p:nvPr>
+            <p:ph type="title"/>
+          </p:nvPr>
+        </p:nvSpPr>
+        <p:spPr>
+          <a:xfrm>
+            <a:off x="685801" y="609600"/>
+            <a:ext cx="10131425" cy="1456267"/>
+          </a:xfrm>
+        </p:spPr>
+        <p:txBody>
+          <a:bodyPr>
+            <a:normAutofit/>
+          </a:bodyPr>
+          <a:lstStyle/>
+          <a:p>
+            <a:r>
+              <a:rPr lang="fr-FR" dirty="0"/>
+              <a:t>Logiciel et OS</a:t>
+            </a:r>
+            <a:br>
+              <a:rPr lang="fr-FR" dirty="0"/>
+            </a:br>
+            <a:endParaRPr lang="fr-FR" dirty="0"/>
+          </a:p>
+        </p:txBody>
+      </p:sp>
+      <p:sp>
+        <p:nvSpPr>
+          <p:cNvPr id="7" name="ZoneTexte 6">
+            <a:extLst>
+              <a:ext uri="{FF2B5EF4-FFF2-40B4-BE49-F238E27FC236}">
+                <a16:creationId xmlns:a16="http://schemas.microsoft.com/office/drawing/2014/main" id="{88EFF978-3AF8-490B-A173-7E9F895B0C47}"/>
+              </a:ext>
+            </a:extLst>
+          </p:cNvPr>
+          <p:cNvSpPr txBox="1"/>
+          <p:nvPr/>
+        </p:nvSpPr>
+        <p:spPr>
+          <a:xfrm>
+            <a:off x="685801" y="2388093"/>
+            <a:ext cx="2359240" cy="923330"/>
+          </a:xfrm>
+          <a:prstGeom prst="rect">
+            <a:avLst/>
+          </a:prstGeom>
+          <a:noFill/>
+        </p:spPr>
+        <p:txBody>
+          <a:bodyPr wrap="square" rtlCol="0">
+            <a:spAutoFit/>
+          </a:bodyPr>
+          <a:lstStyle/>
+          <a:p>
+            <a:r>
+              <a:rPr lang="fr-FR" dirty="0" err="1"/>
+              <a:t>Unipi</a:t>
+            </a:r>
+            <a:r>
+              <a:rPr lang="fr-FR" dirty="0"/>
+              <a:t> </a:t>
+            </a:r>
+            <a:r>
+              <a:rPr lang="fr-FR" dirty="0" err="1"/>
+              <a:t>Axon</a:t>
+            </a:r>
+            <a:r>
+              <a:rPr lang="fr-FR" dirty="0"/>
+              <a:t> OS (Debian)</a:t>
+            </a:r>
+          </a:p>
+          <a:p>
+            <a:r>
+              <a:rPr lang="fr-FR" dirty="0"/>
+              <a:t>Python</a:t>
+            </a:r>
+          </a:p>
+          <a:p>
+            <a:r>
+              <a:rPr lang="fr-FR" dirty="0"/>
+              <a:t>Nano</a:t>
+            </a:r>
+          </a:p>
+        </p:txBody>
+      </p:sp>
+      <p:pic>
+        <p:nvPicPr>
+          <p:cNvPr id="9" name="Image 8" descr="Une image contenant lumière, signe&#10;&#10;Description générée automatiquement">
+            <a:extLst>
+              <a:ext uri="{FF2B5EF4-FFF2-40B4-BE49-F238E27FC236}">
+                <a16:creationId xmlns:a16="http://schemas.microsoft.com/office/drawing/2014/main" id="{907F68F0-6BB6-426D-A1EF-3935AE2A01BD}"/>
+              </a:ext>
+            </a:extLst>
+          </p:cNvPr>
+          <p:cNvPicPr>
+            <a:picLocks noChangeAspect="1"/>
+          </p:cNvPicPr>
+          <p:nvPr/>
+        </p:nvPicPr>
+        <p:blipFill>
+          <a:blip r:embed="rId2" cstate="print">
+            <a:extLst>
+              <a:ext uri="{28A0092B-C50C-407E-A947-70E740481C1C}">
+                <a14:useLocalDpi xmlns:a14="http://schemas.microsoft.com/office/drawing/2010/main" val="0"/>
+              </a:ext>
+            </a:extLst>
+          </a:blip>
+          <a:stretch>
+            <a:fillRect/>
+          </a:stretch>
+        </p:blipFill>
+        <p:spPr>
+          <a:xfrm>
+            <a:off x="4174639" y="1076941"/>
+            <a:ext cx="3153747" cy="3153747"/>
+          </a:xfrm>
+          <a:prstGeom prst="rect">
+            <a:avLst/>
+          </a:prstGeom>
+        </p:spPr>
+      </p:pic>
+    </p:spTree>
+    <p:extLst>
+      <p:ext uri="{BB962C8B-B14F-4D97-AF65-F5344CB8AC3E}">
+        <p14:creationId xmlns:p14="http://schemas.microsoft.com/office/powerpoint/2010/main" val="3536929513"/>
+      </p:ext>
+    </p:extLst>
+  </p:cSld>
+  <p:clrMapOvr>
+    <a:masterClrMapping/>
+  </p:clrMapOvr>
+</p:sld>
+</file>
+
+<file path=ppt/slides/slide19.xml><?xml version="1.0" encoding="utf-8"?>
 <p:sld xmlns:a="http://schemas.openxmlformats.org/drawingml/2006/main" xmlns:r="http://schemas.openxmlformats.org/officeDocument/2006/relationships" xmlns:p="http://schemas.openxmlformats.org/presentationml/2006/main">
   <p:cSld>
     <p:spTree>
@@ -9172,7 +9522,7 @@
         </p:blipFill>
         <p:spPr>
           <a:xfrm>
-            <a:off x="1102208" y="1054376"/>
+            <a:off x="764857" y="1817856"/>
             <a:ext cx="9665939" cy="3689902"/>
           </a:xfrm>
           <a:prstGeom prst="rect">
@@ -9180,42 +9530,12 @@
           </a:prstGeom>
         </p:spPr>
       </p:pic>
-    </p:spTree>
-    <p:extLst>
-      <p:ext uri="{BB962C8B-B14F-4D97-AF65-F5344CB8AC3E}">
-        <p14:creationId xmlns:p14="http://schemas.microsoft.com/office/powerpoint/2010/main" val="635295250"/>
-      </p:ext>
-    </p:extLst>
-  </p:cSld>
-  <p:clrMapOvr>
-    <a:masterClrMapping/>
-  </p:clrMapOvr>
-</p:sld>
-</file>
-
-<file path=ppt/slides/slide18.xml><?xml version="1.0" encoding="utf-8"?>
-<p:sld xmlns:a="http://schemas.openxmlformats.org/drawingml/2006/main" xmlns:r="http://schemas.openxmlformats.org/officeDocument/2006/relationships" xmlns:p="http://schemas.openxmlformats.org/presentationml/2006/main">
-  <p:cSld>
-    <p:spTree>
-      <p:nvGrpSpPr>
-        <p:cNvPr id="1" name=""/>
-        <p:cNvGrpSpPr/>
-        <p:nvPr/>
-      </p:nvGrpSpPr>
-      <p:grpSpPr>
-        <a:xfrm>
-          <a:off x="0" y="0"/>
-          <a:ext cx="0" cy="0"/>
-          <a:chOff x="0" y="0"/>
-          <a:chExt cx="0" cy="0"/>
-        </a:xfrm>
-      </p:grpSpPr>
-      <p:sp>
-        <p:nvSpPr>
-          <p:cNvPr id="2" name="Titre 1">
+      <p:sp>
+        <p:nvSpPr>
+          <p:cNvPr id="5" name="Titre 1">
             <a:extLst>
               <a:ext uri="{FF2B5EF4-FFF2-40B4-BE49-F238E27FC236}">
-                <a16:creationId xmlns:a16="http://schemas.microsoft.com/office/drawing/2014/main" id="{1786C6BE-507D-42E9-BC43-B800156C2490}"/>
+                <a16:creationId xmlns:a16="http://schemas.microsoft.com/office/drawing/2014/main" id="{DDFC3647-AAE8-456B-817B-C35586A892C4}"/>
               </a:ext>
             </a:extLst>
           </p:cNvPr>
@@ -9226,111 +9546,33 @@
             <p:ph type="title"/>
           </p:nvPr>
         </p:nvSpPr>
-        <p:spPr/>
-        <p:txBody>
-          <a:bodyPr/>
-          <a:lstStyle/>
-          <a:p>
-            <a:r>
-              <a:rPr lang="fr-FR" dirty="0"/>
-              <a:t>Résumer</a:t>
-            </a:r>
-          </a:p>
-        </p:txBody>
-      </p:sp>
-      <p:sp>
-        <p:nvSpPr>
-          <p:cNvPr id="3" name="Espace réservé du contenu 2">
-            <a:extLst>
-              <a:ext uri="{FF2B5EF4-FFF2-40B4-BE49-F238E27FC236}">
-                <a16:creationId xmlns:a16="http://schemas.microsoft.com/office/drawing/2014/main" id="{0FD164A3-7A87-406B-9291-7BDAA897C12E}"/>
-              </a:ext>
-            </a:extLst>
-          </p:cNvPr>
-          <p:cNvSpPr>
-            <a:spLocks noGrp="1"/>
-          </p:cNvSpPr>
-          <p:nvPr>
-            <p:ph idx="1"/>
-          </p:nvPr>
-        </p:nvSpPr>
-        <p:spPr/>
-        <p:txBody>
-          <a:bodyPr/>
-          <a:lstStyle/>
-          <a:p>
-            <a:r>
-              <a:rPr lang="fr-FR" dirty="0"/>
-              <a:t>Mise en place de la PLC UNIPI Unipi Axon M205</a:t>
-            </a:r>
-          </a:p>
-          <a:p>
-            <a:r>
-              <a:rPr lang="fr-FR" dirty="0"/>
-              <a:t>Programmation de la PLC pour commander les actionneurs</a:t>
-            </a:r>
-          </a:p>
-          <a:p>
-            <a:r>
-              <a:rPr lang="fr-FR" dirty="0"/>
-              <a:t>Lecture des badges</a:t>
-            </a:r>
-          </a:p>
-          <a:p>
-            <a:r>
-              <a:rPr lang="fr-FR" dirty="0"/>
-              <a:t>Transmettre les information du parking au serveur d’application</a:t>
-            </a:r>
-          </a:p>
-        </p:txBody>
-      </p:sp>
-      <p:sp>
-        <p:nvSpPr>
-          <p:cNvPr id="5" name="ZoneTexte 4">
-            <a:extLst>
-              <a:ext uri="{FF2B5EF4-FFF2-40B4-BE49-F238E27FC236}">
-                <a16:creationId xmlns:a16="http://schemas.microsoft.com/office/drawing/2014/main" id="{A981B954-B1CA-463F-8103-55B21240854F}"/>
-              </a:ext>
-            </a:extLst>
-          </p:cNvPr>
-          <p:cNvSpPr txBox="1"/>
-          <p:nvPr/>
-        </p:nvSpPr>
         <p:spPr>
           <a:xfrm>
-            <a:off x="161925" y="6434138"/>
-            <a:ext cx="1414463" cy="369332"/>
+            <a:off x="685801" y="609600"/>
+            <a:ext cx="10131425" cy="1456267"/>
           </a:xfrm>
-          <a:prstGeom prst="rect">
-            <a:avLst/>
-          </a:prstGeom>
-          <a:noFill/>
         </p:spPr>
         <p:txBody>
-          <a:bodyPr wrap="square" rtlCol="0">
-            <a:spAutoFit/>
+          <a:bodyPr>
+            <a:normAutofit/>
           </a:bodyPr>
           <a:lstStyle/>
           <a:p>
             <a:r>
               <a:rPr lang="fr-FR" dirty="0"/>
-              <a:t>Page </a:t>
-            </a:r>
-            <a:fld id="{6B39D2C6-0BA6-4343-AE2F-D862A5E2D269}" type="slidenum">
-              <a:rPr lang="fr-FR" smtClean="0"/>
-              <a:t>18</a:t>
-            </a:fld>
-            <a:r>
+              <a:t>Planification des taches</a:t>
+            </a:r>
+            <a:br>
               <a:rPr lang="fr-FR" dirty="0"/>
-              <a:t>/X</a:t>
-            </a:r>
+            </a:br>
+            <a:endParaRPr lang="fr-FR" dirty="0"/>
           </a:p>
         </p:txBody>
       </p:sp>
     </p:spTree>
     <p:extLst>
       <p:ext uri="{BB962C8B-B14F-4D97-AF65-F5344CB8AC3E}">
-        <p14:creationId xmlns:p14="http://schemas.microsoft.com/office/powerpoint/2010/main" val="1749066963"/>
+        <p14:creationId xmlns:p14="http://schemas.microsoft.com/office/powerpoint/2010/main" val="635295250"/>
       </p:ext>
     </p:extLst>
   </p:cSld>
@@ -9742,6 +9984,153 @@
     <p:extLst>
       <p:ext uri="{BB962C8B-B14F-4D97-AF65-F5344CB8AC3E}">
         <p14:creationId xmlns:p14="http://schemas.microsoft.com/office/powerpoint/2010/main" val="2436869124"/>
+      </p:ext>
+    </p:extLst>
+  </p:cSld>
+  <p:clrMapOvr>
+    <a:masterClrMapping/>
+  </p:clrMapOvr>
+</p:sld>
+</file>
+
+<file path=ppt/slides/slide20.xml><?xml version="1.0" encoding="utf-8"?>
+<p:sld xmlns:a="http://schemas.openxmlformats.org/drawingml/2006/main" xmlns:r="http://schemas.openxmlformats.org/officeDocument/2006/relationships" xmlns:p="http://schemas.openxmlformats.org/presentationml/2006/main">
+  <p:cSld>
+    <p:spTree>
+      <p:nvGrpSpPr>
+        <p:cNvPr id="1" name=""/>
+        <p:cNvGrpSpPr/>
+        <p:nvPr/>
+      </p:nvGrpSpPr>
+      <p:grpSpPr>
+        <a:xfrm>
+          <a:off x="0" y="0"/>
+          <a:ext cx="0" cy="0"/>
+          <a:chOff x="0" y="0"/>
+          <a:chExt cx="0" cy="0"/>
+        </a:xfrm>
+      </p:grpSpPr>
+      <p:sp>
+        <p:nvSpPr>
+          <p:cNvPr id="2" name="Titre 1">
+            <a:extLst>
+              <a:ext uri="{FF2B5EF4-FFF2-40B4-BE49-F238E27FC236}">
+                <a16:creationId xmlns:a16="http://schemas.microsoft.com/office/drawing/2014/main" id="{1786C6BE-507D-42E9-BC43-B800156C2490}"/>
+              </a:ext>
+            </a:extLst>
+          </p:cNvPr>
+          <p:cNvSpPr>
+            <a:spLocks noGrp="1"/>
+          </p:cNvSpPr>
+          <p:nvPr>
+            <p:ph type="title"/>
+          </p:nvPr>
+        </p:nvSpPr>
+        <p:spPr/>
+        <p:txBody>
+          <a:bodyPr/>
+          <a:lstStyle/>
+          <a:p>
+            <a:r>
+              <a:rPr lang="fr-FR" dirty="0"/>
+              <a:t>Résumer</a:t>
+            </a:r>
+          </a:p>
+        </p:txBody>
+      </p:sp>
+      <p:sp>
+        <p:nvSpPr>
+          <p:cNvPr id="3" name="Espace réservé du contenu 2">
+            <a:extLst>
+              <a:ext uri="{FF2B5EF4-FFF2-40B4-BE49-F238E27FC236}">
+                <a16:creationId xmlns:a16="http://schemas.microsoft.com/office/drawing/2014/main" id="{0FD164A3-7A87-406B-9291-7BDAA897C12E}"/>
+              </a:ext>
+            </a:extLst>
+          </p:cNvPr>
+          <p:cNvSpPr>
+            <a:spLocks noGrp="1"/>
+          </p:cNvSpPr>
+          <p:nvPr>
+            <p:ph idx="1"/>
+          </p:nvPr>
+        </p:nvSpPr>
+        <p:spPr/>
+        <p:txBody>
+          <a:bodyPr/>
+          <a:lstStyle/>
+          <a:p>
+            <a:r>
+              <a:rPr lang="fr-FR" dirty="0"/>
+              <a:t>Mise en place de la PLC UNIPI Unipi Axon M205</a:t>
+            </a:r>
+          </a:p>
+          <a:p>
+            <a:r>
+              <a:rPr lang="fr-FR" dirty="0"/>
+              <a:t>Programmation de la PLC pour commander les actionneurs</a:t>
+            </a:r>
+          </a:p>
+          <a:p>
+            <a:r>
+              <a:rPr lang="fr-FR" dirty="0"/>
+              <a:t>Lecture des badges</a:t>
+            </a:r>
+          </a:p>
+          <a:p>
+            <a:r>
+              <a:rPr lang="fr-FR" dirty="0"/>
+              <a:t>Transmettre les information du parking au serveur d’application</a:t>
+            </a:r>
+          </a:p>
+        </p:txBody>
+      </p:sp>
+      <p:sp>
+        <p:nvSpPr>
+          <p:cNvPr id="5" name="ZoneTexte 4">
+            <a:extLst>
+              <a:ext uri="{FF2B5EF4-FFF2-40B4-BE49-F238E27FC236}">
+                <a16:creationId xmlns:a16="http://schemas.microsoft.com/office/drawing/2014/main" id="{A981B954-B1CA-463F-8103-55B21240854F}"/>
+              </a:ext>
+            </a:extLst>
+          </p:cNvPr>
+          <p:cNvSpPr txBox="1"/>
+          <p:nvPr/>
+        </p:nvSpPr>
+        <p:spPr>
+          <a:xfrm>
+            <a:off x="161925" y="6434138"/>
+            <a:ext cx="1414463" cy="369332"/>
+          </a:xfrm>
+          <a:prstGeom prst="rect">
+            <a:avLst/>
+          </a:prstGeom>
+          <a:noFill/>
+        </p:spPr>
+        <p:txBody>
+          <a:bodyPr wrap="square" rtlCol="0">
+            <a:spAutoFit/>
+          </a:bodyPr>
+          <a:lstStyle/>
+          <a:p>
+            <a:r>
+              <a:rPr lang="fr-FR" dirty="0"/>
+              <a:t>Page </a:t>
+            </a:r>
+            <a:fld id="{6B39D2C6-0BA6-4343-AE2F-D862A5E2D269}" type="slidenum">
+              <a:rPr lang="fr-FR" smtClean="0"/>
+              <a:t>20</a:t>
+            </a:fld>
+            <a:r>
+              <a:rPr lang="fr-FR" dirty="0"/>
+              <a:t>/X</a:t>
+            </a:r>
+          </a:p>
+        </p:txBody>
+      </p:sp>
+    </p:spTree>
+    <p:extLst>
+      <p:ext uri="{BB962C8B-B14F-4D97-AF65-F5344CB8AC3E}">
+        <p14:creationId xmlns:p14="http://schemas.microsoft.com/office/powerpoint/2010/main" val="1749066963"/>
       </p:ext>
     </p:extLst>
   </p:cSld>
@@ -14020,121 +14409,10 @@
       </p:grpSpPr>
       <p:sp>
         <p:nvSpPr>
-          <p:cNvPr id="2" name="Titre 1">
-            <a:extLst>
-              <a:ext uri="{FF2B5EF4-FFF2-40B4-BE49-F238E27FC236}">
-                <a16:creationId xmlns:a16="http://schemas.microsoft.com/office/drawing/2014/main" id="{C92BAFFE-F692-4089-8C82-9D869922FCB0}"/>
-              </a:ext>
-            </a:extLst>
-          </p:cNvPr>
-          <p:cNvSpPr>
-            <a:spLocks noGrp="1"/>
-          </p:cNvSpPr>
-          <p:nvPr>
-            <p:ph type="title"/>
-          </p:nvPr>
-        </p:nvSpPr>
-        <p:spPr/>
-        <p:txBody>
-          <a:bodyPr>
-            <a:normAutofit fontScale="90000"/>
-          </a:bodyPr>
-          <a:lstStyle/>
-          <a:p>
-            <a:r>
-              <a:rPr lang="fr-FR" b="1" dirty="0"/>
-              <a:t>Développement de l’automate de gestion d’accès au parking (sur PLC Raspberry) </a:t>
-            </a:r>
-            <a:r>
-              <a:rPr lang="fr-FR" dirty="0"/>
-              <a:t>	</a:t>
-            </a:r>
-            <a:br>
-              <a:rPr lang="fr-FR" dirty="0"/>
-            </a:br>
-            <a:endParaRPr lang="fr-FR" dirty="0"/>
-          </a:p>
-        </p:txBody>
-      </p:sp>
-      <p:sp>
-        <p:nvSpPr>
-          <p:cNvPr id="3" name="Espace réservé du contenu 2">
-            <a:extLst>
-              <a:ext uri="{FF2B5EF4-FFF2-40B4-BE49-F238E27FC236}">
-                <a16:creationId xmlns:a16="http://schemas.microsoft.com/office/drawing/2014/main" id="{EE9053B4-ACD2-4137-9392-6A9122D3CA99}"/>
-              </a:ext>
-            </a:extLst>
-          </p:cNvPr>
-          <p:cNvSpPr>
-            <a:spLocks noGrp="1"/>
-          </p:cNvSpPr>
-          <p:nvPr>
-            <p:ph idx="1"/>
-          </p:nvPr>
-        </p:nvSpPr>
-        <p:spPr/>
-        <p:txBody>
-          <a:bodyPr/>
-          <a:lstStyle/>
-          <a:p>
-            <a:pPr marL="0" indent="0">
-              <a:buNone/>
-            </a:pPr>
-            <a:r>
-              <a:rPr lang="fr-FR" sz="2800" b="1" dirty="0"/>
-              <a:t>Fonction assurées :</a:t>
-            </a:r>
-          </a:p>
-          <a:p>
-            <a:pPr marL="0" indent="0">
-              <a:buNone/>
-            </a:pPr>
-            <a:endParaRPr lang="fr-FR" dirty="0"/>
-          </a:p>
-          <a:p>
-            <a:r>
-              <a:rPr lang="fr-FR" i="1" dirty="0"/>
-              <a:t>Lecture des badges HID depuis le PLC </a:t>
-            </a:r>
-            <a:endParaRPr lang="fr-FR" dirty="0"/>
-          </a:p>
-          <a:p>
-            <a:r>
-              <a:rPr lang="fr-FR" i="1" dirty="0"/>
-              <a:t>Commandes d’ouverture du portail </a:t>
-            </a:r>
-            <a:endParaRPr lang="fr-FR" dirty="0"/>
-          </a:p>
-          <a:p>
-            <a:r>
-              <a:rPr lang="fr-FR" i="1" dirty="0"/>
-              <a:t>Commande du voyant « parking plein » </a:t>
-            </a:r>
-            <a:endParaRPr lang="fr-FR" dirty="0"/>
-          </a:p>
-          <a:p>
-            <a:r>
-              <a:rPr lang="fr-FR" i="1" dirty="0"/>
-              <a:t>Communication avec le serveur d’application (taux d’occupation, identification utilisateurs) </a:t>
-            </a:r>
-          </a:p>
-          <a:p>
-            <a:r>
-              <a:rPr lang="fr-FR" dirty="0"/>
-              <a:t>Recherche sur le fonctionnement de la détection sans contact RFID 		</a:t>
-            </a:r>
-          </a:p>
-          <a:p>
-            <a:endParaRPr lang="fr-FR" dirty="0"/>
-          </a:p>
-        </p:txBody>
-      </p:sp>
-      <p:sp>
-        <p:nvSpPr>
           <p:cNvPr id="5" name="ZoneTexte 4">
             <a:extLst>
               <a:ext uri="{FF2B5EF4-FFF2-40B4-BE49-F238E27FC236}">
-                <a16:creationId xmlns:a16="http://schemas.microsoft.com/office/drawing/2014/main" id="{09D3BCEC-67FC-4255-8D11-9153C95669D8}"/>
+                <a16:creationId xmlns:a16="http://schemas.microsoft.com/office/drawing/2014/main" id="{5557533C-87B8-4D56-B040-200A43510534}"/>
               </a:ext>
             </a:extLst>
           </p:cNvPr>
@@ -14172,10 +14450,57 @@
           </a:p>
         </p:txBody>
       </p:sp>
+      <p:pic>
+        <p:nvPicPr>
+          <p:cNvPr id="1026" name="Picture 2">
+            <a:extLst>
+              <a:ext uri="{FF2B5EF4-FFF2-40B4-BE49-F238E27FC236}">
+                <a16:creationId xmlns:a16="http://schemas.microsoft.com/office/drawing/2014/main" id="{30E92992-29F5-4630-AF13-170067FC42C3}"/>
+              </a:ext>
+            </a:extLst>
+          </p:cNvPr>
+          <p:cNvPicPr>
+            <a:picLocks noChangeAspect="1" noChangeArrowheads="1"/>
+          </p:cNvPicPr>
+          <p:nvPr/>
+        </p:nvPicPr>
+        <p:blipFill>
+          <a:blip r:embed="rId2">
+            <a:extLst>
+              <a:ext uri="{28A0092B-C50C-407E-A947-70E740481C1C}">
+                <a14:useLocalDpi xmlns:a14="http://schemas.microsoft.com/office/drawing/2010/main" val="0"/>
+              </a:ext>
+            </a:extLst>
+          </a:blip>
+          <a:srcRect/>
+          <a:stretch>
+            <a:fillRect/>
+          </a:stretch>
+        </p:blipFill>
+        <p:spPr bwMode="auto">
+          <a:xfrm>
+            <a:off x="1219200" y="1219200"/>
+            <a:ext cx="9753600" cy="4419600"/>
+          </a:xfrm>
+          <a:prstGeom prst="rect">
+            <a:avLst/>
+          </a:prstGeom>
+          <a:noFill/>
+          <a:extLst>
+            <a:ext uri="{909E8E84-426E-40DD-AFC4-6F175D3DCCD1}">
+              <a14:hiddenFill xmlns:a14="http://schemas.microsoft.com/office/drawing/2010/main">
+                <a:solidFill>
+                  <a:srgbClr val="FFFFFF"/>
+                </a:solidFill>
+              </a14:hiddenFill>
+            </a:ext>
+          </a:extLst>
+        </p:spPr>
+      </p:pic>
     </p:spTree>
     <p:extLst>
       <p:ext uri="{BB962C8B-B14F-4D97-AF65-F5344CB8AC3E}">
-        <p14:creationId xmlns:p14="http://schemas.microsoft.com/office/powerpoint/2010/main" val="2791757882"/>
+        <p14:creationId xmlns:p14="http://schemas.microsoft.com/office/powerpoint/2010/main" val="269312578"/>
       </p:ext>
     </p:extLst>
   </p:cSld>
